--- a/reference_material/slides/001_intro_setup.pptx
+++ b/reference_material/slides/001_intro_setup.pptx
@@ -6,22 +6,31 @@
   </p:sldMasterIdLst>
   <p:sldIdLst>
     <p:sldId id="256" r:id="rId2"/>
-    <p:sldId id="279" r:id="rId3"/>
-    <p:sldId id="258" r:id="rId4"/>
-    <p:sldId id="281" r:id="rId5"/>
-    <p:sldId id="280" r:id="rId6"/>
-    <p:sldId id="282" r:id="rId7"/>
-    <p:sldId id="286" r:id="rId8"/>
-    <p:sldId id="284" r:id="rId9"/>
-    <p:sldId id="285" r:id="rId10"/>
-    <p:sldId id="289" r:id="rId11"/>
-    <p:sldId id="287" r:id="rId12"/>
-    <p:sldId id="288" r:id="rId13"/>
-    <p:sldId id="290" r:id="rId14"/>
-    <p:sldId id="291" r:id="rId15"/>
-    <p:sldId id="292" r:id="rId16"/>
-    <p:sldId id="283" r:id="rId17"/>
-    <p:sldId id="293" r:id="rId18"/>
+    <p:sldId id="301" r:id="rId3"/>
+    <p:sldId id="279" r:id="rId4"/>
+    <p:sldId id="258" r:id="rId5"/>
+    <p:sldId id="281" r:id="rId6"/>
+    <p:sldId id="280" r:id="rId7"/>
+    <p:sldId id="302" r:id="rId8"/>
+    <p:sldId id="282" r:id="rId9"/>
+    <p:sldId id="286" r:id="rId10"/>
+    <p:sldId id="284" r:id="rId11"/>
+    <p:sldId id="285" r:id="rId12"/>
+    <p:sldId id="289" r:id="rId13"/>
+    <p:sldId id="287" r:id="rId14"/>
+    <p:sldId id="288" r:id="rId15"/>
+    <p:sldId id="290" r:id="rId16"/>
+    <p:sldId id="291" r:id="rId17"/>
+    <p:sldId id="298" r:id="rId18"/>
+    <p:sldId id="292" r:id="rId19"/>
+    <p:sldId id="283" r:id="rId20"/>
+    <p:sldId id="293" r:id="rId21"/>
+    <p:sldId id="294" r:id="rId22"/>
+    <p:sldId id="295" r:id="rId23"/>
+    <p:sldId id="296" r:id="rId24"/>
+    <p:sldId id="299" r:id="rId25"/>
+    <p:sldId id="300" r:id="rId26"/>
+    <p:sldId id="297" r:id="rId27"/>
   </p:sldIdLst>
   <p:sldSz cx="12192000" cy="6858000"/>
   <p:notesSz cx="6858000" cy="9144000"/>
@@ -126,10 +135,12 @@
         <p14:section name="Default Section" id="{21E029AF-0ABF-0C45-9D49-80331DAFDBFA}">
           <p14:sldIdLst>
             <p14:sldId id="256"/>
+            <p14:sldId id="301"/>
             <p14:sldId id="279"/>
             <p14:sldId id="258"/>
             <p14:sldId id="281"/>
             <p14:sldId id="280"/>
+            <p14:sldId id="302"/>
             <p14:sldId id="282"/>
             <p14:sldId id="286"/>
             <p14:sldId id="284"/>
@@ -142,10 +153,33 @@
             <p14:sldId id="287"/>
             <p14:sldId id="288"/>
             <p14:sldId id="290"/>
+          </p14:sldIdLst>
+        </p14:section>
+        <p14:section name="CI" id="{EA90A7EC-6A3F-9F4B-A11E-7A62D8F545AD}">
+          <p14:sldIdLst>
             <p14:sldId id="291"/>
+            <p14:sldId id="298"/>
+          </p14:sldIdLst>
+        </p14:section>
+        <p14:section name="Common Issues" id="{2FAB1EFD-CFB0-A449-9382-8C9DCDF1FF37}">
+          <p14:sldIdLst>
             <p14:sldId id="292"/>
+          </p14:sldIdLst>
+        </p14:section>
+        <p14:section name="Today" id="{6897CE35-DC24-6949-9E21-54466CD33015}">
+          <p14:sldIdLst>
             <p14:sldId id="283"/>
+          </p14:sldIdLst>
+        </p14:section>
+        <p14:section name="Starting to Code" id="{14F9E4C7-8153-5B44-84C4-EB90F89CB452}">
+          <p14:sldIdLst>
             <p14:sldId id="293"/>
+            <p14:sldId id="294"/>
+            <p14:sldId id="295"/>
+            <p14:sldId id="296"/>
+            <p14:sldId id="299"/>
+            <p14:sldId id="300"/>
+            <p14:sldId id="297"/>
           </p14:sldIdLst>
         </p14:section>
       </p14:sectionLst>
@@ -689,7 +723,7 @@
           <a:p>
             <a:fld id="{4DC690A9-B0D7-3E4F-A958-E6FA8EDA03A0}" type="datetimeFigureOut">
               <a:rPr lang="en-US" smtClean="0"/>
-              <a:t>9/1/24</a:t>
+              <a:t>9/3/24</a:t>
             </a:fld>
             <a:endParaRPr lang="en-US"/>
           </a:p>
@@ -900,7 +934,7 @@
           <a:p>
             <a:fld id="{4DC690A9-B0D7-3E4F-A958-E6FA8EDA03A0}" type="datetimeFigureOut">
               <a:rPr lang="en-US" smtClean="0"/>
-              <a:t>9/1/24</a:t>
+              <a:t>9/3/24</a:t>
             </a:fld>
             <a:endParaRPr lang="en-US"/>
           </a:p>
@@ -1115,7 +1149,7 @@
           <a:p>
             <a:fld id="{4DC690A9-B0D7-3E4F-A958-E6FA8EDA03A0}" type="datetimeFigureOut">
               <a:rPr lang="en-US" smtClean="0"/>
-              <a:t>9/1/24</a:t>
+              <a:t>9/3/24</a:t>
             </a:fld>
             <a:endParaRPr lang="en-US"/>
           </a:p>
@@ -1333,7 +1367,7 @@
           <a:p>
             <a:fld id="{4DC690A9-B0D7-3E4F-A958-E6FA8EDA03A0}" type="datetimeFigureOut">
               <a:rPr lang="en-US" smtClean="0"/>
-              <a:t>9/1/24</a:t>
+              <a:t>9/3/24</a:t>
             </a:fld>
             <a:endParaRPr lang="en-US"/>
           </a:p>
@@ -1612,7 +1646,7 @@
           <a:p>
             <a:fld id="{4DC690A9-B0D7-3E4F-A958-E6FA8EDA03A0}" type="datetimeFigureOut">
               <a:rPr lang="en-US" smtClean="0"/>
-              <a:t>9/1/24</a:t>
+              <a:t>9/3/24</a:t>
             </a:fld>
             <a:endParaRPr lang="en-US"/>
           </a:p>
@@ -1880,7 +1914,7 @@
           <a:p>
             <a:fld id="{4DC690A9-B0D7-3E4F-A958-E6FA8EDA03A0}" type="datetimeFigureOut">
               <a:rPr lang="en-US" smtClean="0"/>
-              <a:t>9/1/24</a:t>
+              <a:t>9/3/24</a:t>
             </a:fld>
             <a:endParaRPr lang="en-US"/>
           </a:p>
@@ -2296,7 +2330,7 @@
           <a:p>
             <a:fld id="{4DC690A9-B0D7-3E4F-A958-E6FA8EDA03A0}" type="datetimeFigureOut">
               <a:rPr lang="en-US" smtClean="0"/>
-              <a:t>9/1/24</a:t>
+              <a:t>9/3/24</a:t>
             </a:fld>
             <a:endParaRPr lang="en-US"/>
           </a:p>
@@ -2445,7 +2479,7 @@
           <a:p>
             <a:fld id="{4DC690A9-B0D7-3E4F-A958-E6FA8EDA03A0}" type="datetimeFigureOut">
               <a:rPr lang="en-US" smtClean="0"/>
-              <a:t>9/1/24</a:t>
+              <a:t>9/3/24</a:t>
             </a:fld>
             <a:endParaRPr lang="en-US"/>
           </a:p>
@@ -2571,7 +2605,7 @@
           <a:p>
             <a:fld id="{4DC690A9-B0D7-3E4F-A958-E6FA8EDA03A0}" type="datetimeFigureOut">
               <a:rPr lang="en-US" smtClean="0"/>
-              <a:t>9/1/24</a:t>
+              <a:t>9/3/24</a:t>
             </a:fld>
             <a:endParaRPr lang="en-US"/>
           </a:p>
@@ -2822,7 +2856,7 @@
           <a:p>
             <a:fld id="{4DC690A9-B0D7-3E4F-A958-E6FA8EDA03A0}" type="datetimeFigureOut">
               <a:rPr lang="en-US" smtClean="0"/>
-              <a:t>9/1/24</a:t>
+              <a:t>9/3/24</a:t>
             </a:fld>
             <a:endParaRPr lang="en-US"/>
           </a:p>
@@ -3267,7 +3301,7 @@
           <a:p>
             <a:fld id="{4DC690A9-B0D7-3E4F-A958-E6FA8EDA03A0}" type="datetimeFigureOut">
               <a:rPr lang="en-US" smtClean="0"/>
-              <a:t>9/1/24</a:t>
+              <a:t>9/3/24</a:t>
             </a:fld>
             <a:endParaRPr lang="en-US"/>
           </a:p>
@@ -3594,7 +3628,7 @@
           <a:p>
             <a:fld id="{4DC690A9-B0D7-3E4F-A958-E6FA8EDA03A0}" type="datetimeFigureOut">
               <a:rPr lang="en-US" smtClean="0"/>
-              <a:t>9/1/24</a:t>
+              <a:t>9/3/24</a:t>
             </a:fld>
             <a:endParaRPr lang="en-US"/>
           </a:p>
@@ -4171,7 +4205,7 @@
           <p:cNvPr id="2" name="Title 1">
             <a:extLst>
               <a:ext uri="{FF2B5EF4-FFF2-40B4-BE49-F238E27FC236}">
-                <a16:creationId xmlns:a16="http://schemas.microsoft.com/office/drawing/2014/main" id="{A22961B4-FC3C-A20F-178D-849770DE6794}"/>
+                <a16:creationId xmlns:a16="http://schemas.microsoft.com/office/drawing/2014/main" id="{855C9E7D-0BE6-BCA8-5D0E-966B375AA818}"/>
               </a:ext>
             </a:extLst>
           </p:cNvPr>
@@ -4189,8 +4223,13 @@
           <a:p>
             <a:r>
               <a:rPr lang="en-US" dirty="0"/>
-              <a:t>Tools</a:t>
-            </a:r>
+              <a:t>Ai/Copilot/</a:t>
+            </a:r>
+            <a:r>
+              <a:rPr lang="en-US" dirty="0" err="1"/>
+              <a:t>Chatgpt</a:t>
+            </a:r>
+            <a:endParaRPr lang="en-US" dirty="0"/>
           </a:p>
         </p:txBody>
       </p:sp>
@@ -4199,7 +4238,7 @@
           <p:cNvPr id="3" name="Content Placeholder 2">
             <a:extLst>
               <a:ext uri="{FF2B5EF4-FFF2-40B4-BE49-F238E27FC236}">
-                <a16:creationId xmlns:a16="http://schemas.microsoft.com/office/drawing/2014/main" id="{339C5D25-169A-FC52-9ED5-A05F00661BEC}"/>
+                <a16:creationId xmlns:a16="http://schemas.microsoft.com/office/drawing/2014/main" id="{3CD0560F-4292-64D4-F0BB-022F0E660E67}"/>
               </a:ext>
             </a:extLst>
           </p:cNvPr>
@@ -4212,29 +4251,46 @@
         </p:nvSpPr>
         <p:spPr>
           <a:xfrm>
-            <a:off x="1103586" y="2015732"/>
-            <a:ext cx="10405241" cy="4037749"/>
+            <a:off x="95003" y="1853754"/>
+            <a:ext cx="11970327" cy="4199727"/>
           </a:xfrm>
         </p:spPr>
         <p:txBody>
-          <a:bodyPr/>
-          <a:lstStyle/>
-          <a:p>
-            <a:r>
-              <a:rPr lang="en-US" dirty="0"/>
-              <a:t>We have a few tools to use, and these can be a little annoying at times. </a:t>
-            </a:r>
-          </a:p>
-          <a:p>
-            <a:r>
-              <a:rPr lang="en-US" dirty="0"/>
-              <a:t>To some degree, this comes with the territory. </a:t>
-            </a:r>
-          </a:p>
-          <a:p>
-            <a:r>
-              <a:rPr lang="en-US" dirty="0"/>
-              <a:t>These things are industry relevant, so the experience has some value. </a:t>
+          <a:bodyPr>
+            <a:normAutofit fontScale="92500" lnSpcReduction="20000"/>
+          </a:bodyPr>
+          <a:lstStyle/>
+          <a:p>
+            <a:r>
+              <a:rPr lang="en-US" dirty="0"/>
+              <a:t>AI tools can likely do lots of the work, largely correctly. </a:t>
+            </a:r>
+          </a:p>
+          <a:p>
+            <a:r>
+              <a:rPr lang="en-US" dirty="0"/>
+              <a:t>These tools are fine for using, poor for learning - you need to understand what they are doing first. </a:t>
+            </a:r>
+          </a:p>
+          <a:p>
+            <a:pPr lvl="1"/>
+            <a:r>
+              <a:rPr lang="en-US" dirty="0"/>
+              <a:t>Great to speed yourself up doing drudge work. </a:t>
+            </a:r>
+          </a:p>
+          <a:p>
+            <a:pPr lvl="1"/>
+            <a:r>
+              <a:rPr lang="en-US" dirty="0"/>
+              <a:t>If you can’t explain it and troubleshoot it, don’t use it. </a:t>
+            </a:r>
+          </a:p>
+          <a:p>
+            <a:pPr lvl="1"/>
+            <a:r>
+              <a:rPr lang="en-US" dirty="0"/>
+              <a:t>You need to get used to figuring out solutions mentally, so they make it hard to learn if you rely on them that much. </a:t>
             </a:r>
           </a:p>
         </p:txBody>
@@ -4242,7 +4298,7 @@
     </p:spTree>
     <p:extLst>
       <p:ext uri="{BB962C8B-B14F-4D97-AF65-F5344CB8AC3E}">
-        <p14:creationId xmlns:p14="http://schemas.microsoft.com/office/powerpoint/2010/main" val="2624711093"/>
+        <p14:creationId xmlns:p14="http://schemas.microsoft.com/office/powerpoint/2010/main" val="2440120189"/>
       </p:ext>
     </p:extLst>
   </p:cSld>
@@ -4274,7 +4330,7 @@
           <p:cNvPr id="2" name="Title 1">
             <a:extLst>
               <a:ext uri="{FF2B5EF4-FFF2-40B4-BE49-F238E27FC236}">
-                <a16:creationId xmlns:a16="http://schemas.microsoft.com/office/drawing/2014/main" id="{1CDB13A8-601D-E7DD-29A6-5FCB19736D5C}"/>
+                <a16:creationId xmlns:a16="http://schemas.microsoft.com/office/drawing/2014/main" id="{3465598E-51C0-918B-8223-821323238EC7}"/>
               </a:ext>
             </a:extLst>
           </p:cNvPr>
@@ -4292,7 +4348,7 @@
           <a:p>
             <a:r>
               <a:rPr lang="en-US" dirty="0"/>
-              <a:t>Tools - Anaconda</a:t>
+              <a:t>Positive Notes</a:t>
             </a:r>
           </a:p>
         </p:txBody>
@@ -4302,7 +4358,7 @@
           <p:cNvPr id="3" name="Content Placeholder 2">
             <a:extLst>
               <a:ext uri="{FF2B5EF4-FFF2-40B4-BE49-F238E27FC236}">
-                <a16:creationId xmlns:a16="http://schemas.microsoft.com/office/drawing/2014/main" id="{E7B625B1-3E79-BB04-1E10-3D75DD81CD2D}"/>
+                <a16:creationId xmlns:a16="http://schemas.microsoft.com/office/drawing/2014/main" id="{6BD0AE9F-EF41-F22C-CFC0-32C387F406E4}"/>
               </a:ext>
             </a:extLst>
           </p:cNvPr>
@@ -4315,53 +4371,62 @@
         </p:nvSpPr>
         <p:spPr>
           <a:xfrm>
-            <a:off x="1451579" y="2015732"/>
-            <a:ext cx="9603275" cy="4037749"/>
+            <a:off x="0" y="1853754"/>
+            <a:ext cx="12044855" cy="4199727"/>
           </a:xfrm>
         </p:spPr>
         <p:txBody>
-          <a:bodyPr/>
-          <a:lstStyle/>
-          <a:p>
-            <a:r>
-              <a:rPr lang="en-US" dirty="0"/>
-              <a:t>Anaconda is a package of a bunch of ds stuff. </a:t>
+          <a:bodyPr>
+            <a:normAutofit fontScale="92500" lnSpcReduction="10000"/>
+          </a:bodyPr>
+          <a:lstStyle/>
+          <a:p>
+            <a:r>
+              <a:rPr lang="en-US" dirty="0"/>
+              <a:t>Programming is our tool, not our goal. </a:t>
             </a:r>
           </a:p>
           <a:p>
             <a:pPr lvl="1"/>
             <a:r>
               <a:rPr lang="en-US" dirty="0"/>
-              <a:t>Python, tools, code libraries, </a:t>
-            </a:r>
-            <a:r>
-              <a:rPr lang="en-US" dirty="0" err="1"/>
-              <a:t>etc</a:t>
-            </a:r>
-            <a:r>
-              <a:rPr lang="en-US" dirty="0"/>
-              <a:t>…</a:t>
+              <a:t>Don’t need to become savants, just need to be competent. </a:t>
+            </a:r>
+          </a:p>
+          <a:p>
+            <a:r>
+              <a:rPr lang="en-US" dirty="0"/>
+              <a:t>Driven (mainly) by what we need to do for analysis. </a:t>
             </a:r>
           </a:p>
           <a:p>
             <a:pPr lvl="1"/>
             <a:r>
               <a:rPr lang="en-US" dirty="0"/>
-              <a:t>Most of what we need to develop code. </a:t>
-            </a:r>
-          </a:p>
-          <a:p>
-            <a:r>
-              <a:rPr lang="en-US" dirty="0"/>
-              <a:t>Download and install this first. </a:t>
-            </a:r>
+              <a:t>Work to explore challenges in other projects. </a:t>
+            </a:r>
+          </a:p>
+          <a:p>
+            <a:r>
+              <a:rPr lang="en-US" dirty="0"/>
+              <a:t>Easy class in a vacuum, though may still be challenging.</a:t>
+            </a:r>
+          </a:p>
+          <a:p>
+            <a:r>
+              <a:rPr lang="en-US" dirty="0"/>
+              <a:t>Somewhat flexible – the more you get, the more we can do. </a:t>
+            </a:r>
+          </a:p>
+          <a:p>
+            <a:endParaRPr lang="en-US" dirty="0"/>
           </a:p>
         </p:txBody>
       </p:sp>
     </p:spTree>
     <p:extLst>
       <p:ext uri="{BB962C8B-B14F-4D97-AF65-F5344CB8AC3E}">
-        <p14:creationId xmlns:p14="http://schemas.microsoft.com/office/powerpoint/2010/main" val="590394446"/>
+        <p14:creationId xmlns:p14="http://schemas.microsoft.com/office/powerpoint/2010/main" val="1142238928"/>
       </p:ext>
     </p:extLst>
   </p:cSld>
@@ -4393,7 +4458,7 @@
           <p:cNvPr id="2" name="Title 1">
             <a:extLst>
               <a:ext uri="{FF2B5EF4-FFF2-40B4-BE49-F238E27FC236}">
-                <a16:creationId xmlns:a16="http://schemas.microsoft.com/office/drawing/2014/main" id="{FCBE7AA1-63EC-18E9-278C-CF81F1AC3B8D}"/>
+                <a16:creationId xmlns:a16="http://schemas.microsoft.com/office/drawing/2014/main" id="{A22961B4-FC3C-A20F-178D-849770DE6794}"/>
               </a:ext>
             </a:extLst>
           </p:cNvPr>
@@ -4411,7 +4476,7 @@
           <a:p>
             <a:r>
               <a:rPr lang="en-US" dirty="0"/>
-              <a:t>Tools – VS Code</a:t>
+              <a:t>Tools</a:t>
             </a:r>
           </a:p>
         </p:txBody>
@@ -4421,7 +4486,7 @@
           <p:cNvPr id="3" name="Content Placeholder 2">
             <a:extLst>
               <a:ext uri="{FF2B5EF4-FFF2-40B4-BE49-F238E27FC236}">
-                <a16:creationId xmlns:a16="http://schemas.microsoft.com/office/drawing/2014/main" id="{053E4964-0333-F254-3E0B-D480E08E5504}"/>
+                <a16:creationId xmlns:a16="http://schemas.microsoft.com/office/drawing/2014/main" id="{339C5D25-169A-FC52-9ED5-A05F00661BEC}"/>
               </a:ext>
             </a:extLst>
           </p:cNvPr>
@@ -4434,8 +4499,8 @@
         </p:nvSpPr>
         <p:spPr>
           <a:xfrm>
-            <a:off x="1451579" y="1853754"/>
-            <a:ext cx="9603275" cy="4199727"/>
+            <a:off x="1103586" y="2015732"/>
+            <a:ext cx="10405241" cy="4037749"/>
           </a:xfrm>
         </p:spPr>
         <p:txBody>
@@ -4444,27 +4509,19 @@
           <a:p>
             <a:r>
               <a:rPr lang="en-US" dirty="0"/>
-              <a:t>VS Code is the IDE (integrated development environment) we’ll use. </a:t>
-            </a:r>
-          </a:p>
-          <a:p>
-            <a:pPr lvl="1"/>
-            <a:r>
-              <a:rPr lang="en-US" dirty="0"/>
-              <a:t>Where we write, run, and observe code. </a:t>
-            </a:r>
-          </a:p>
-          <a:p>
-            <a:pPr lvl="1"/>
-            <a:r>
-              <a:rPr lang="en-US" dirty="0"/>
-              <a:t>Integrates with GitHub for managing files. </a:t>
-            </a:r>
-          </a:p>
-          <a:p>
-            <a:r>
-              <a:rPr lang="en-US" dirty="0"/>
-              <a:t>Should come in Anaconda. </a:t>
+              <a:t>We have a few tools to use, and these can be a little annoying at times. </a:t>
+            </a:r>
+          </a:p>
+          <a:p>
+            <a:r>
+              <a:rPr lang="en-US" dirty="0"/>
+              <a:t>To some degree, this comes with the territory. </a:t>
+            </a:r>
+          </a:p>
+          <a:p>
+            <a:r>
+              <a:rPr lang="en-US" dirty="0"/>
+              <a:t>These things are industry relevant, so the experience has some value. </a:t>
             </a:r>
           </a:p>
         </p:txBody>
@@ -4472,7 +4529,7 @@
     </p:spTree>
     <p:extLst>
       <p:ext uri="{BB962C8B-B14F-4D97-AF65-F5344CB8AC3E}">
-        <p14:creationId xmlns:p14="http://schemas.microsoft.com/office/powerpoint/2010/main" val="3445070999"/>
+        <p14:creationId xmlns:p14="http://schemas.microsoft.com/office/powerpoint/2010/main" val="2624711093"/>
       </p:ext>
     </p:extLst>
   </p:cSld>
@@ -4504,7 +4561,7 @@
           <p:cNvPr id="2" name="Title 1">
             <a:extLst>
               <a:ext uri="{FF2B5EF4-FFF2-40B4-BE49-F238E27FC236}">
-                <a16:creationId xmlns:a16="http://schemas.microsoft.com/office/drawing/2014/main" id="{3D708443-505B-90F7-D2F7-ECC87D05A847}"/>
+                <a16:creationId xmlns:a16="http://schemas.microsoft.com/office/drawing/2014/main" id="{1CDB13A8-601D-E7DD-29A6-5FCB19736D5C}"/>
               </a:ext>
             </a:extLst>
           </p:cNvPr>
@@ -4522,7 +4579,7 @@
           <a:p>
             <a:r>
               <a:rPr lang="en-US" dirty="0"/>
-              <a:t>Tools - GitHub</a:t>
+              <a:t>Tools - Anaconda</a:t>
             </a:r>
           </a:p>
         </p:txBody>
@@ -4532,7 +4589,7 @@
           <p:cNvPr id="3" name="Content Placeholder 2">
             <a:extLst>
               <a:ext uri="{FF2B5EF4-FFF2-40B4-BE49-F238E27FC236}">
-                <a16:creationId xmlns:a16="http://schemas.microsoft.com/office/drawing/2014/main" id="{054C99A6-F1DB-8B0C-E512-7E3CD86887CD}"/>
+                <a16:creationId xmlns:a16="http://schemas.microsoft.com/office/drawing/2014/main" id="{E7B625B1-3E79-BB04-1E10-3D75DD81CD2D}"/>
               </a:ext>
             </a:extLst>
           </p:cNvPr>
@@ -4545,8 +4602,8 @@
         </p:nvSpPr>
         <p:spPr>
           <a:xfrm>
-            <a:off x="1451579" y="1853754"/>
-            <a:ext cx="9603275" cy="4199727"/>
+            <a:off x="1451579" y="2015732"/>
+            <a:ext cx="9603275" cy="4037749"/>
           </a:xfrm>
         </p:spPr>
         <p:txBody>
@@ -4555,33 +4612,35 @@
           <a:p>
             <a:r>
               <a:rPr lang="en-US" dirty="0"/>
-              <a:t>Online repository for code. </a:t>
-            </a:r>
-          </a:p>
-          <a:p>
-            <a:r>
-              <a:rPr lang="en-US" dirty="0"/>
-              <a:t>This is where my stuff is posted for you. </a:t>
-            </a:r>
-          </a:p>
-          <a:p>
-            <a:r>
-              <a:rPr lang="en-US" dirty="0"/>
-              <a:t>You can build a portfolio as you go.</a:t>
-            </a:r>
-          </a:p>
-          <a:p>
-            <a:r>
-              <a:rPr lang="en-US" dirty="0"/>
-              <a:t>We’ll also use it for tests/labs/</a:t>
+              <a:t>Anaconda is a package of a bunch of ds stuff. </a:t>
+            </a:r>
+          </a:p>
+          <a:p>
+            <a:pPr lvl="1"/>
+            <a:r>
+              <a:rPr lang="en-US" dirty="0"/>
+              <a:t>Python, tools, code libraries, </a:t>
             </a:r>
             <a:r>
               <a:rPr lang="en-US" dirty="0" err="1"/>
-              <a:t>asns</a:t>
-            </a:r>
-            <a:r>
-              <a:rPr lang="en-US" dirty="0"/>
-              <a:t> for continuous integration. </a:t>
+              <a:t>etc</a:t>
+            </a:r>
+            <a:r>
+              <a:rPr lang="en-US" dirty="0"/>
+              <a:t>…</a:t>
+            </a:r>
+          </a:p>
+          <a:p>
+            <a:pPr lvl="1"/>
+            <a:r>
+              <a:rPr lang="en-US" dirty="0"/>
+              <a:t>Most of what we need to develop code. </a:t>
+            </a:r>
+          </a:p>
+          <a:p>
+            <a:r>
+              <a:rPr lang="en-US" dirty="0"/>
+              <a:t>Download and install this first. </a:t>
             </a:r>
           </a:p>
         </p:txBody>
@@ -4589,7 +4648,7 @@
     </p:spTree>
     <p:extLst>
       <p:ext uri="{BB962C8B-B14F-4D97-AF65-F5344CB8AC3E}">
-        <p14:creationId xmlns:p14="http://schemas.microsoft.com/office/powerpoint/2010/main" val="4020421722"/>
+        <p14:creationId xmlns:p14="http://schemas.microsoft.com/office/powerpoint/2010/main" val="590394446"/>
       </p:ext>
     </p:extLst>
   </p:cSld>
@@ -4621,7 +4680,7 @@
           <p:cNvPr id="2" name="Title 1">
             <a:extLst>
               <a:ext uri="{FF2B5EF4-FFF2-40B4-BE49-F238E27FC236}">
-                <a16:creationId xmlns:a16="http://schemas.microsoft.com/office/drawing/2014/main" id="{F2A0878D-0577-D8D4-C994-756A6627B8A5}"/>
+                <a16:creationId xmlns:a16="http://schemas.microsoft.com/office/drawing/2014/main" id="{FCBE7AA1-63EC-18E9-278C-CF81F1AC3B8D}"/>
               </a:ext>
             </a:extLst>
           </p:cNvPr>
@@ -4639,7 +4698,7 @@
           <a:p>
             <a:r>
               <a:rPr lang="en-US" dirty="0"/>
-              <a:t>Tools – GitHub Education Assignments</a:t>
+              <a:t>Tools – VS Code</a:t>
             </a:r>
           </a:p>
         </p:txBody>
@@ -4649,7 +4708,7 @@
           <p:cNvPr id="3" name="Content Placeholder 2">
             <a:extLst>
               <a:ext uri="{FF2B5EF4-FFF2-40B4-BE49-F238E27FC236}">
-                <a16:creationId xmlns:a16="http://schemas.microsoft.com/office/drawing/2014/main" id="{F44FD835-6F27-4F61-5BAF-0B1111FD68DC}"/>
+                <a16:creationId xmlns:a16="http://schemas.microsoft.com/office/drawing/2014/main" id="{053E4964-0333-F254-3E0B-D480E08E5504}"/>
               </a:ext>
             </a:extLst>
           </p:cNvPr>
@@ -4662,8 +4721,8 @@
         </p:nvSpPr>
         <p:spPr>
           <a:xfrm>
-            <a:off x="914401" y="1933904"/>
-            <a:ext cx="10541876" cy="4119578"/>
+            <a:off x="1451579" y="1853754"/>
+            <a:ext cx="9603275" cy="4199727"/>
           </a:xfrm>
         </p:spPr>
         <p:txBody>
@@ -4672,34 +4731,27 @@
           <a:p>
             <a:r>
               <a:rPr lang="en-US" dirty="0"/>
-              <a:t>Submissions will go through GH. Education. </a:t>
-            </a:r>
-          </a:p>
-          <a:p>
-            <a:r>
-              <a:rPr lang="en-US" dirty="0"/>
-              <a:t>Allows for Continuous Integration:</a:t>
+              <a:t>VS Code is the IDE (integrated development environment) we’ll use. </a:t>
             </a:r>
           </a:p>
           <a:p>
             <a:pPr lvl="1"/>
             <a:r>
               <a:rPr lang="en-US" dirty="0"/>
-              <a:t>Your code is tested as you submit for correctness. </a:t>
+              <a:t>Where we write, run, and observe code. </a:t>
             </a:r>
           </a:p>
           <a:p>
             <a:pPr lvl="1"/>
             <a:r>
               <a:rPr lang="en-US" dirty="0"/>
-              <a:t>You have a constant idea of what is working/not. </a:t>
-            </a:r>
-          </a:p>
-          <a:p>
-            <a:pPr lvl="1"/>
-            <a:r>
-              <a:rPr lang="en-US" dirty="0"/>
-              <a:t>Very common in real world. </a:t>
+              <a:t>Integrates with GitHub for managing files. </a:t>
+            </a:r>
+          </a:p>
+          <a:p>
+            <a:r>
+              <a:rPr lang="en-US" dirty="0"/>
+              <a:t>Should come in Anaconda. </a:t>
             </a:r>
           </a:p>
         </p:txBody>
@@ -4707,7 +4759,7 @@
     </p:spTree>
     <p:extLst>
       <p:ext uri="{BB962C8B-B14F-4D97-AF65-F5344CB8AC3E}">
-        <p14:creationId xmlns:p14="http://schemas.microsoft.com/office/powerpoint/2010/main" val="3591735693"/>
+        <p14:creationId xmlns:p14="http://schemas.microsoft.com/office/powerpoint/2010/main" val="3445070999"/>
       </p:ext>
     </p:extLst>
   </p:cSld>
@@ -4739,7 +4791,7 @@
           <p:cNvPr id="2" name="Title 1">
             <a:extLst>
               <a:ext uri="{FF2B5EF4-FFF2-40B4-BE49-F238E27FC236}">
-                <a16:creationId xmlns:a16="http://schemas.microsoft.com/office/drawing/2014/main" id="{25ED2C2C-1139-089A-0614-D631B68CD915}"/>
+                <a16:creationId xmlns:a16="http://schemas.microsoft.com/office/drawing/2014/main" id="{3D708443-505B-90F7-D2F7-ECC87D05A847}"/>
               </a:ext>
             </a:extLst>
           </p:cNvPr>
@@ -4757,7 +4809,7 @@
           <a:p>
             <a:r>
               <a:rPr lang="en-US" dirty="0"/>
-              <a:t>Common Initial Issues</a:t>
+              <a:t>Tools - GitHub</a:t>
             </a:r>
           </a:p>
         </p:txBody>
@@ -4767,7 +4819,7 @@
           <p:cNvPr id="3" name="Content Placeholder 2">
             <a:extLst>
               <a:ext uri="{FF2B5EF4-FFF2-40B4-BE49-F238E27FC236}">
-                <a16:creationId xmlns:a16="http://schemas.microsoft.com/office/drawing/2014/main" id="{41FFD17E-BE8D-430D-2A7E-387C3C230E92}"/>
+                <a16:creationId xmlns:a16="http://schemas.microsoft.com/office/drawing/2014/main" id="{054C99A6-F1DB-8B0C-E512-7E3CD86887CD}"/>
               </a:ext>
             </a:extLst>
           </p:cNvPr>
@@ -4780,8 +4832,8 @@
         </p:nvSpPr>
         <p:spPr>
           <a:xfrm>
-            <a:off x="1451579" y="2015732"/>
-            <a:ext cx="9603275" cy="4037749"/>
+            <a:off x="1451579" y="1853754"/>
+            <a:ext cx="9603275" cy="4199727"/>
           </a:xfrm>
         </p:spPr>
         <p:txBody>
@@ -4790,27 +4842,33 @@
           <a:p>
             <a:r>
               <a:rPr lang="en-US" dirty="0"/>
-              <a:t>Need to DL and install Git separately. </a:t>
-            </a:r>
-          </a:p>
-          <a:p>
-            <a:r>
-              <a:rPr lang="en-US" dirty="0"/>
-              <a:t>Registry entry for Python to work. </a:t>
-            </a:r>
-          </a:p>
-          <a:p>
-            <a:r>
-              <a:rPr lang="en-US" dirty="0"/>
-              <a:t>GitHub command for </a:t>
+              <a:t>Online repository for code. </a:t>
+            </a:r>
+          </a:p>
+          <a:p>
+            <a:r>
+              <a:rPr lang="en-US" dirty="0"/>
+              <a:t>This is where my stuff is posted for you. </a:t>
+            </a:r>
+          </a:p>
+          <a:p>
+            <a:r>
+              <a:rPr lang="en-US" dirty="0"/>
+              <a:t>You can build a portfolio as you go.</a:t>
+            </a:r>
+          </a:p>
+          <a:p>
+            <a:r>
+              <a:rPr lang="en-US" dirty="0"/>
+              <a:t>We’ll also use it for tests/labs/</a:t>
             </a:r>
             <a:r>
               <a:rPr lang="en-US" dirty="0" err="1"/>
-              <a:t>uname</a:t>
-            </a:r>
-            <a:r>
-              <a:rPr lang="en-US" dirty="0"/>
-              <a:t>/email needed. </a:t>
+              <a:t>asns</a:t>
+            </a:r>
+            <a:r>
+              <a:rPr lang="en-US" dirty="0"/>
+              <a:t> for continuous integration. </a:t>
             </a:r>
           </a:p>
         </p:txBody>
@@ -4818,7 +4876,7 @@
     </p:spTree>
     <p:extLst>
       <p:ext uri="{BB962C8B-B14F-4D97-AF65-F5344CB8AC3E}">
-        <p14:creationId xmlns:p14="http://schemas.microsoft.com/office/powerpoint/2010/main" val="2668236399"/>
+        <p14:creationId xmlns:p14="http://schemas.microsoft.com/office/powerpoint/2010/main" val="4020421722"/>
       </p:ext>
     </p:extLst>
   </p:cSld>
@@ -4850,7 +4908,7 @@
           <p:cNvPr id="2" name="Title 1">
             <a:extLst>
               <a:ext uri="{FF2B5EF4-FFF2-40B4-BE49-F238E27FC236}">
-                <a16:creationId xmlns:a16="http://schemas.microsoft.com/office/drawing/2014/main" id="{C6DAE830-DEB4-30B1-8BAB-3129F83C1AA4}"/>
+                <a16:creationId xmlns:a16="http://schemas.microsoft.com/office/drawing/2014/main" id="{F2A0878D-0577-D8D4-C994-756A6627B8A5}"/>
               </a:ext>
             </a:extLst>
           </p:cNvPr>
@@ -4868,7 +4926,7 @@
           <a:p>
             <a:r>
               <a:rPr lang="en-US" dirty="0"/>
-              <a:t>Today</a:t>
+              <a:t>Tools – GitHub Education Assignments</a:t>
             </a:r>
           </a:p>
         </p:txBody>
@@ -4878,7 +4936,7 @@
           <p:cNvPr id="3" name="Content Placeholder 2">
             <a:extLst>
               <a:ext uri="{FF2B5EF4-FFF2-40B4-BE49-F238E27FC236}">
-                <a16:creationId xmlns:a16="http://schemas.microsoft.com/office/drawing/2014/main" id="{890737BA-D14C-5E0F-CFFE-DB4CA9D5C51F}"/>
+                <a16:creationId xmlns:a16="http://schemas.microsoft.com/office/drawing/2014/main" id="{F44FD835-6F27-4F61-5BAF-0B1111FD68DC}"/>
               </a:ext>
             </a:extLst>
           </p:cNvPr>
@@ -4889,26 +4947,59 @@
             <p:ph idx="1"/>
           </p:nvPr>
         </p:nvSpPr>
-        <p:spPr/>
-        <p:txBody>
-          <a:bodyPr/>
-          <a:lstStyle/>
-          <a:p>
-            <a:r>
-              <a:rPr lang="en-US" dirty="0"/>
-              <a:t>Overview/intro.</a:t>
-            </a:r>
-          </a:p>
-          <a:p>
-            <a:r>
-              <a:rPr lang="en-US" dirty="0"/>
-              <a:t>Tools and resources.</a:t>
-            </a:r>
-          </a:p>
-          <a:p>
-            <a:r>
-              <a:rPr lang="en-US" dirty="0"/>
-              <a:t>Play with some code. </a:t>
+        <p:spPr>
+          <a:xfrm>
+            <a:off x="914401" y="1933904"/>
+            <a:ext cx="10541876" cy="4119578"/>
+          </a:xfrm>
+        </p:spPr>
+        <p:txBody>
+          <a:bodyPr>
+            <a:normAutofit fontScale="92500" lnSpcReduction="10000"/>
+          </a:bodyPr>
+          <a:lstStyle/>
+          <a:p>
+            <a:r>
+              <a:rPr lang="en-US" dirty="0"/>
+              <a:t>Submissions will go through GH Education. </a:t>
+            </a:r>
+          </a:p>
+          <a:p>
+            <a:r>
+              <a:rPr lang="en-US" dirty="0"/>
+              <a:t>Allows for Continuous Integration:</a:t>
+            </a:r>
+          </a:p>
+          <a:p>
+            <a:pPr lvl="1"/>
+            <a:r>
+              <a:rPr lang="en-US" dirty="0"/>
+              <a:t>Your code is tested as you submit for correctness. </a:t>
+            </a:r>
+          </a:p>
+          <a:p>
+            <a:pPr lvl="1"/>
+            <a:r>
+              <a:rPr lang="en-US" dirty="0"/>
+              <a:t>You have a constant idea of what is working/not. </a:t>
+            </a:r>
+          </a:p>
+          <a:p>
+            <a:pPr lvl="1"/>
+            <a:r>
+              <a:rPr lang="en-US" dirty="0"/>
+              <a:t>Very common in real world. Decent resume point.</a:t>
+            </a:r>
+          </a:p>
+          <a:p>
+            <a:pPr lvl="1"/>
+            <a:r>
+              <a:rPr lang="en-US"/>
+              <a:t>Checks output </a:t>
+            </a:r>
+            <a:r>
+              <a:rPr lang="en-US" dirty="0"/>
+              <a:t>of your code, not code itself. </a:t>
             </a:r>
           </a:p>
         </p:txBody>
@@ -4916,7 +5007,7 @@
     </p:spTree>
     <p:extLst>
       <p:ext uri="{BB962C8B-B14F-4D97-AF65-F5344CB8AC3E}">
-        <p14:creationId xmlns:p14="http://schemas.microsoft.com/office/powerpoint/2010/main" val="1614966072"/>
+        <p14:creationId xmlns:p14="http://schemas.microsoft.com/office/powerpoint/2010/main" val="3591735693"/>
       </p:ext>
     </p:extLst>
   </p:cSld>
@@ -4948,7 +5039,7 @@
           <p:cNvPr id="2" name="Title 1">
             <a:extLst>
               <a:ext uri="{FF2B5EF4-FFF2-40B4-BE49-F238E27FC236}">
-                <a16:creationId xmlns:a16="http://schemas.microsoft.com/office/drawing/2014/main" id="{431DD80C-6508-D888-F81B-C39C6C02703C}"/>
+                <a16:creationId xmlns:a16="http://schemas.microsoft.com/office/drawing/2014/main" id="{DB47AF27-AE39-733D-1D8A-DE47EEB43F8A}"/>
               </a:ext>
             </a:extLst>
           </p:cNvPr>
@@ -4966,7 +5057,7 @@
           <a:p>
             <a:r>
               <a:rPr lang="en-US" dirty="0"/>
-              <a:t>But First – Think Not in Code</a:t>
+              <a:t>Continuous Integration</a:t>
             </a:r>
           </a:p>
         </p:txBody>
@@ -4976,7 +5067,7 @@
           <p:cNvPr id="3" name="Content Placeholder 2">
             <a:extLst>
               <a:ext uri="{FF2B5EF4-FFF2-40B4-BE49-F238E27FC236}">
-                <a16:creationId xmlns:a16="http://schemas.microsoft.com/office/drawing/2014/main" id="{BC9E74E4-63EC-FCA8-8E40-1EED60D67750}"/>
+                <a16:creationId xmlns:a16="http://schemas.microsoft.com/office/drawing/2014/main" id="{5776C70D-9D63-555A-0389-0F0E5938188E}"/>
               </a:ext>
             </a:extLst>
           </p:cNvPr>
@@ -4987,53 +5078,273 @@
             <p:ph idx="1"/>
           </p:nvPr>
         </p:nvSpPr>
-        <p:spPr>
+        <p:spPr/>
+        <p:txBody>
+          <a:bodyPr/>
+          <a:lstStyle/>
+          <a:p>
+            <a:endParaRPr lang="en-US"/>
+          </a:p>
+        </p:txBody>
+      </p:sp>
+      <p:pic>
+        <p:nvPicPr>
+          <p:cNvPr id="2050" name="Picture 2" descr="Continuous Integration (CI) Explained - Semaphore">
+            <a:extLst>
+              <a:ext uri="{FF2B5EF4-FFF2-40B4-BE49-F238E27FC236}">
+                <a16:creationId xmlns:a16="http://schemas.microsoft.com/office/drawing/2014/main" id="{04C2630D-7D5C-207D-CBE5-6DB7294B0001}"/>
+              </a:ext>
+            </a:extLst>
+          </p:cNvPr>
+          <p:cNvPicPr>
+            <a:picLocks noChangeAspect="1" noChangeArrowheads="1"/>
+          </p:cNvPicPr>
+          <p:nvPr/>
+        </p:nvPicPr>
+        <p:blipFill rotWithShape="1">
+          <a:blip r:embed="rId2">
+            <a:extLst>
+              <a:ext uri="{28A0092B-C50C-407E-A947-70E740481C1C}">
+                <a14:useLocalDpi xmlns:a14="http://schemas.microsoft.com/office/drawing/2010/main" val="0"/>
+              </a:ext>
+            </a:extLst>
+          </a:blip>
+          <a:srcRect l="4532" t="16797" r="3419" b="7186"/>
+          <a:stretch/>
+        </p:blipFill>
+        <p:spPr bwMode="auto">
           <a:xfrm>
-            <a:off x="472966" y="1853754"/>
-            <a:ext cx="11582400" cy="4199727"/>
+            <a:off x="1077232" y="1853754"/>
+            <a:ext cx="10037535" cy="5213268"/>
           </a:xfrm>
+          <a:prstGeom prst="rect">
+            <a:avLst/>
+          </a:prstGeom>
+          <a:noFill/>
+          <a:extLst>
+            <a:ext uri="{909E8E84-426E-40DD-AFC4-6F175D3DCCD1}">
+              <a14:hiddenFill xmlns:a14="http://schemas.microsoft.com/office/drawing/2010/main">
+                <a:solidFill>
+                  <a:srgbClr val="FFFFFF"/>
+                </a:solidFill>
+              </a14:hiddenFill>
+            </a:ext>
+          </a:extLst>
         </p:spPr>
-        <p:txBody>
-          <a:bodyPr>
-            <a:normAutofit/>
-          </a:bodyPr>
-          <a:lstStyle/>
-          <a:p>
-            <a:r>
-              <a:rPr lang="en-US" dirty="0"/>
-              <a:t>We want to start out thinking in pseudocode – steps written in plain language. </a:t>
-            </a:r>
-          </a:p>
-          <a:p>
-            <a:r>
-              <a:rPr lang="en-US" dirty="0"/>
-              <a:t>Start with what we want to do, in detailed steps. </a:t>
-            </a:r>
-          </a:p>
-          <a:p>
-            <a:pPr lvl="1"/>
-            <a:r>
-              <a:rPr lang="en-US" dirty="0"/>
-              <a:t>We can then look up how to translate </a:t>
-            </a:r>
-            <a:r>
-              <a:rPr lang="en-US"/>
-              <a:t>each step to code. </a:t>
-            </a:r>
-            <a:endParaRPr lang="en-US" dirty="0"/>
-          </a:p>
-          <a:p>
-            <a:r>
-              <a:rPr lang="en-US" dirty="0"/>
-              <a:t>Easier and more transferable than memorizing code. </a:t>
-            </a:r>
-          </a:p>
-        </p:txBody>
-      </p:sp>
+      </p:pic>
     </p:spTree>
     <p:extLst>
       <p:ext uri="{BB962C8B-B14F-4D97-AF65-F5344CB8AC3E}">
-        <p14:creationId xmlns:p14="http://schemas.microsoft.com/office/powerpoint/2010/main" val="3976449799"/>
+        <p14:creationId xmlns:p14="http://schemas.microsoft.com/office/powerpoint/2010/main" val="3252537509"/>
+      </p:ext>
+    </p:extLst>
+  </p:cSld>
+  <p:clrMapOvr>
+    <a:masterClrMapping/>
+  </p:clrMapOvr>
+</p:sld>
+</file>
+
+<file path=ppt/slides/slide18.xml><?xml version="1.0" encoding="utf-8"?>
+<p:sld xmlns:a="http://schemas.openxmlformats.org/drawingml/2006/main" xmlns:r="http://schemas.openxmlformats.org/officeDocument/2006/relationships" xmlns:p="http://schemas.openxmlformats.org/presentationml/2006/main">
+  <p:cSld>
+    <p:spTree>
+      <p:nvGrpSpPr>
+        <p:cNvPr id="1" name=""/>
+        <p:cNvGrpSpPr/>
+        <p:nvPr/>
+      </p:nvGrpSpPr>
+      <p:grpSpPr>
+        <a:xfrm>
+          <a:off x="0" y="0"/>
+          <a:ext cx="0" cy="0"/>
+          <a:chOff x="0" y="0"/>
+          <a:chExt cx="0" cy="0"/>
+        </a:xfrm>
+      </p:grpSpPr>
+      <p:sp>
+        <p:nvSpPr>
+          <p:cNvPr id="2" name="Title 1">
+            <a:extLst>
+              <a:ext uri="{FF2B5EF4-FFF2-40B4-BE49-F238E27FC236}">
+                <a16:creationId xmlns:a16="http://schemas.microsoft.com/office/drawing/2014/main" id="{25ED2C2C-1139-089A-0614-D631B68CD915}"/>
+              </a:ext>
+            </a:extLst>
+          </p:cNvPr>
+          <p:cNvSpPr>
+            <a:spLocks noGrp="1"/>
+          </p:cNvSpPr>
+          <p:nvPr>
+            <p:ph type="title"/>
+          </p:nvPr>
+        </p:nvSpPr>
+        <p:spPr/>
+        <p:txBody>
+          <a:bodyPr/>
+          <a:lstStyle/>
+          <a:p>
+            <a:r>
+              <a:rPr lang="en-US" dirty="0"/>
+              <a:t>Common Initial Issues</a:t>
+            </a:r>
+          </a:p>
+        </p:txBody>
+      </p:sp>
+      <p:sp>
+        <p:nvSpPr>
+          <p:cNvPr id="3" name="Content Placeholder 2">
+            <a:extLst>
+              <a:ext uri="{FF2B5EF4-FFF2-40B4-BE49-F238E27FC236}">
+                <a16:creationId xmlns:a16="http://schemas.microsoft.com/office/drawing/2014/main" id="{41FFD17E-BE8D-430D-2A7E-387C3C230E92}"/>
+              </a:ext>
+            </a:extLst>
+          </p:cNvPr>
+          <p:cNvSpPr>
+            <a:spLocks noGrp="1"/>
+          </p:cNvSpPr>
+          <p:nvPr>
+            <p:ph idx="1"/>
+          </p:nvPr>
+        </p:nvSpPr>
+        <p:spPr>
+          <a:xfrm>
+            <a:off x="1451579" y="2015732"/>
+            <a:ext cx="9603275" cy="4037749"/>
+          </a:xfrm>
+        </p:spPr>
+        <p:txBody>
+          <a:bodyPr/>
+          <a:lstStyle/>
+          <a:p>
+            <a:r>
+              <a:rPr lang="en-US" dirty="0"/>
+              <a:t>Need to DL and install Git separately. </a:t>
+            </a:r>
+          </a:p>
+          <a:p>
+            <a:r>
+              <a:rPr lang="en-US" dirty="0"/>
+              <a:t>Registry entry for Python to work. </a:t>
+            </a:r>
+          </a:p>
+          <a:p>
+            <a:r>
+              <a:rPr lang="en-US" dirty="0"/>
+              <a:t>GitHub command for </a:t>
+            </a:r>
+            <a:r>
+              <a:rPr lang="en-US" dirty="0" err="1"/>
+              <a:t>uname</a:t>
+            </a:r>
+            <a:r>
+              <a:rPr lang="en-US" dirty="0"/>
+              <a:t>/email needed. </a:t>
+            </a:r>
+          </a:p>
+        </p:txBody>
+      </p:sp>
+    </p:spTree>
+    <p:extLst>
+      <p:ext uri="{BB962C8B-B14F-4D97-AF65-F5344CB8AC3E}">
+        <p14:creationId xmlns:p14="http://schemas.microsoft.com/office/powerpoint/2010/main" val="2668236399"/>
+      </p:ext>
+    </p:extLst>
+  </p:cSld>
+  <p:clrMapOvr>
+    <a:masterClrMapping/>
+  </p:clrMapOvr>
+</p:sld>
+</file>
+
+<file path=ppt/slides/slide19.xml><?xml version="1.0" encoding="utf-8"?>
+<p:sld xmlns:a="http://schemas.openxmlformats.org/drawingml/2006/main" xmlns:r="http://schemas.openxmlformats.org/officeDocument/2006/relationships" xmlns:p="http://schemas.openxmlformats.org/presentationml/2006/main">
+  <p:cSld>
+    <p:spTree>
+      <p:nvGrpSpPr>
+        <p:cNvPr id="1" name=""/>
+        <p:cNvGrpSpPr/>
+        <p:nvPr/>
+      </p:nvGrpSpPr>
+      <p:grpSpPr>
+        <a:xfrm>
+          <a:off x="0" y="0"/>
+          <a:ext cx="0" cy="0"/>
+          <a:chOff x="0" y="0"/>
+          <a:chExt cx="0" cy="0"/>
+        </a:xfrm>
+      </p:grpSpPr>
+      <p:sp>
+        <p:nvSpPr>
+          <p:cNvPr id="2" name="Title 1">
+            <a:extLst>
+              <a:ext uri="{FF2B5EF4-FFF2-40B4-BE49-F238E27FC236}">
+                <a16:creationId xmlns:a16="http://schemas.microsoft.com/office/drawing/2014/main" id="{C6DAE830-DEB4-30B1-8BAB-3129F83C1AA4}"/>
+              </a:ext>
+            </a:extLst>
+          </p:cNvPr>
+          <p:cNvSpPr>
+            <a:spLocks noGrp="1"/>
+          </p:cNvSpPr>
+          <p:nvPr>
+            <p:ph type="title"/>
+          </p:nvPr>
+        </p:nvSpPr>
+        <p:spPr/>
+        <p:txBody>
+          <a:bodyPr/>
+          <a:lstStyle/>
+          <a:p>
+            <a:r>
+              <a:rPr lang="en-US" dirty="0"/>
+              <a:t>Today</a:t>
+            </a:r>
+          </a:p>
+        </p:txBody>
+      </p:sp>
+      <p:sp>
+        <p:nvSpPr>
+          <p:cNvPr id="3" name="Content Placeholder 2">
+            <a:extLst>
+              <a:ext uri="{FF2B5EF4-FFF2-40B4-BE49-F238E27FC236}">
+                <a16:creationId xmlns:a16="http://schemas.microsoft.com/office/drawing/2014/main" id="{890737BA-D14C-5E0F-CFFE-DB4CA9D5C51F}"/>
+              </a:ext>
+            </a:extLst>
+          </p:cNvPr>
+          <p:cNvSpPr>
+            <a:spLocks noGrp="1"/>
+          </p:cNvSpPr>
+          <p:nvPr>
+            <p:ph idx="1"/>
+          </p:nvPr>
+        </p:nvSpPr>
+        <p:spPr/>
+        <p:txBody>
+          <a:bodyPr/>
+          <a:lstStyle/>
+          <a:p>
+            <a:r>
+              <a:rPr lang="en-US" dirty="0"/>
+              <a:t>Overview/intro.</a:t>
+            </a:r>
+          </a:p>
+          <a:p>
+            <a:r>
+              <a:rPr lang="en-US" dirty="0"/>
+              <a:t>Tools and resources.</a:t>
+            </a:r>
+          </a:p>
+          <a:p>
+            <a:r>
+              <a:rPr lang="en-US" dirty="0"/>
+              <a:t>Play with some code. </a:t>
+            </a:r>
+          </a:p>
+        </p:txBody>
+      </p:sp>
+    </p:spTree>
+    <p:extLst>
+      <p:ext uri="{BB962C8B-B14F-4D97-AF65-F5344CB8AC3E}">
+        <p14:creationId xmlns:p14="http://schemas.microsoft.com/office/powerpoint/2010/main" val="1614966072"/>
       </p:ext>
     </p:extLst>
   </p:cSld>
@@ -5065,7 +5376,7 @@
           <p:cNvPr id="2" name="Title 1">
             <a:extLst>
               <a:ext uri="{FF2B5EF4-FFF2-40B4-BE49-F238E27FC236}">
-                <a16:creationId xmlns:a16="http://schemas.microsoft.com/office/drawing/2014/main" id="{60211F7B-684B-7C17-E662-65D5DC9A6FA3}"/>
+                <a16:creationId xmlns:a16="http://schemas.microsoft.com/office/drawing/2014/main" id="{56350B75-A8F4-29CF-1AC6-6E60BAEB5E15}"/>
               </a:ext>
             </a:extLst>
           </p:cNvPr>
@@ -5083,7 +5394,7 @@
           <a:p>
             <a:r>
               <a:rPr lang="en-US" dirty="0"/>
-              <a:t>About me</a:t>
+              <a:t>Data 3550 - Programming</a:t>
             </a:r>
           </a:p>
         </p:txBody>
@@ -5093,7 +5404,7 @@
           <p:cNvPr id="3" name="Content Placeholder 2">
             <a:extLst>
               <a:ext uri="{FF2B5EF4-FFF2-40B4-BE49-F238E27FC236}">
-                <a16:creationId xmlns:a16="http://schemas.microsoft.com/office/drawing/2014/main" id="{801225EF-2DB7-394A-CE05-792F189C464E}"/>
+                <a16:creationId xmlns:a16="http://schemas.microsoft.com/office/drawing/2014/main" id="{37955140-0E88-65F3-A78F-71B1FD1F5958}"/>
               </a:ext>
             </a:extLst>
           </p:cNvPr>
@@ -5106,81 +5417,977 @@
         </p:nvSpPr>
         <p:spPr>
           <a:xfrm>
-            <a:off x="1451579" y="1853754"/>
-            <a:ext cx="9603275" cy="4359477"/>
+            <a:off x="2391409" y="1948757"/>
+            <a:ext cx="9800590" cy="4199727"/>
           </a:xfrm>
         </p:spPr>
         <p:txBody>
           <a:bodyPr>
-            <a:normAutofit fontScale="62500" lnSpcReduction="20000"/>
+            <a:normAutofit/>
           </a:bodyPr>
           <a:lstStyle/>
           <a:p>
             <a:r>
-              <a:rPr lang="en-US" dirty="0"/>
-              <a:t>Education:</a:t>
+              <a:rPr lang="en-US" sz="2800" dirty="0"/>
+              <a:t>You’ll need to do some stuff, please start, we’ll go at 12:15. </a:t>
+            </a:r>
+          </a:p>
+          <a:p>
+            <a:r>
+              <a:rPr lang="en-US" sz="2800" dirty="0"/>
+              <a:t>There is a list w/ links on the LMS at the image location. </a:t>
+            </a:r>
+          </a:p>
+          <a:p>
+            <a:r>
+              <a:rPr lang="en-US" sz="2800" dirty="0"/>
+              <a:t>Please install:</a:t>
             </a:r>
           </a:p>
           <a:p>
             <a:pPr lvl="1"/>
             <a:r>
-              <a:rPr lang="en-US" dirty="0"/>
-              <a:t>Computer Science</a:t>
+              <a:rPr lang="en-US" sz="2400" dirty="0"/>
+              <a:t>Anaconda (Google “anaconda data science”). </a:t>
             </a:r>
           </a:p>
           <a:p>
             <a:pPr lvl="1"/>
             <a:r>
-              <a:rPr lang="en-US" dirty="0"/>
-              <a:t>Education – Secondary Math</a:t>
+              <a:rPr lang="en-US" sz="2400" dirty="0"/>
+              <a:t>Git (not </a:t>
+            </a:r>
+            <a:r>
+              <a:rPr lang="en-US" sz="2400" dirty="0" err="1"/>
+              <a:t>Github</a:t>
+            </a:r>
+            <a:r>
+              <a:rPr lang="en-US" sz="2400" dirty="0"/>
+              <a:t>). </a:t>
             </a:r>
           </a:p>
           <a:p>
             <a:pPr lvl="1"/>
             <a:r>
-              <a:rPr lang="en-US" dirty="0"/>
-              <a:t>MBA</a:t>
-            </a:r>
-          </a:p>
-          <a:p>
-            <a:r>
-              <a:rPr lang="en-US" dirty="0"/>
-              <a:t>Work:</a:t>
+              <a:rPr lang="en-US" sz="2400" dirty="0"/>
+              <a:t>Create an account on GitHub.</a:t>
             </a:r>
           </a:p>
           <a:p>
             <a:pPr lvl="1"/>
             <a:r>
-              <a:rPr lang="en-US" dirty="0"/>
-              <a:t>Built much of the data science stuff at NAIT. </a:t>
-            </a:r>
-          </a:p>
-          <a:p>
-            <a:pPr lvl="1"/>
-            <a:r>
-              <a:rPr lang="en-US" dirty="0"/>
-              <a:t>Worked on enterprise software, largely ETL, integration, and reporting. </a:t>
-            </a:r>
-          </a:p>
-          <a:p>
-            <a:r>
-              <a:rPr lang="en-US" dirty="0"/>
-              <a:t>Fun:</a:t>
-            </a:r>
-          </a:p>
-          <a:p>
-            <a:pPr lvl="1"/>
-            <a:r>
-              <a:rPr lang="en-US" dirty="0"/>
-              <a:t>I travel, cook, and sports. </a:t>
-            </a:r>
-          </a:p>
-        </p:txBody>
-      </p:sp>
+              <a:rPr lang="en-US" sz="2400" dirty="0"/>
+              <a:t>Enter that email from GitHub “GitHub emails” quiz on the LMS. </a:t>
+            </a:r>
+          </a:p>
+        </p:txBody>
+      </p:sp>
+      <p:pic>
+        <p:nvPicPr>
+          <p:cNvPr id="4" name="Picture 3">
+            <a:extLst>
+              <a:ext uri="{FF2B5EF4-FFF2-40B4-BE49-F238E27FC236}">
+                <a16:creationId xmlns:a16="http://schemas.microsoft.com/office/drawing/2014/main" id="{662120DD-5110-23D1-9337-C82B10664065}"/>
+              </a:ext>
+            </a:extLst>
+          </p:cNvPr>
+          <p:cNvPicPr>
+            <a:picLocks noChangeAspect="1"/>
+          </p:cNvPicPr>
+          <p:nvPr/>
+        </p:nvPicPr>
+        <p:blipFill>
+          <a:blip r:embed="rId2"/>
+          <a:stretch>
+            <a:fillRect/>
+          </a:stretch>
+        </p:blipFill>
+        <p:spPr>
+          <a:xfrm>
+            <a:off x="-117118" y="1853754"/>
+            <a:ext cx="2508527" cy="3150590"/>
+          </a:xfrm>
+          <a:prstGeom prst="rect">
+            <a:avLst/>
+          </a:prstGeom>
+        </p:spPr>
+      </p:pic>
+      <p:pic>
+        <p:nvPicPr>
+          <p:cNvPr id="6" name="Picture 5">
+            <a:extLst>
+              <a:ext uri="{FF2B5EF4-FFF2-40B4-BE49-F238E27FC236}">
+                <a16:creationId xmlns:a16="http://schemas.microsoft.com/office/drawing/2014/main" id="{E8A57A79-AB28-0683-41BB-C77751C43438}"/>
+              </a:ext>
+            </a:extLst>
+          </p:cNvPr>
+          <p:cNvPicPr>
+            <a:picLocks noChangeAspect="1"/>
+          </p:cNvPicPr>
+          <p:nvPr/>
+        </p:nvPicPr>
+        <p:blipFill>
+          <a:blip r:embed="rId3"/>
+          <a:srcRect t="32351"/>
+          <a:stretch/>
+        </p:blipFill>
+        <p:spPr>
+          <a:xfrm>
+            <a:off x="-201880" y="5841907"/>
+            <a:ext cx="4310742" cy="1016094"/>
+          </a:xfrm>
+          <a:prstGeom prst="rect">
+            <a:avLst/>
+          </a:prstGeom>
+        </p:spPr>
+      </p:pic>
     </p:spTree>
     <p:extLst>
       <p:ext uri="{BB962C8B-B14F-4D97-AF65-F5344CB8AC3E}">
-        <p14:creationId xmlns:p14="http://schemas.microsoft.com/office/powerpoint/2010/main" val="3948899667"/>
+        <p14:creationId xmlns:p14="http://schemas.microsoft.com/office/powerpoint/2010/main" val="803570098"/>
+      </p:ext>
+    </p:extLst>
+  </p:cSld>
+  <p:clrMapOvr>
+    <a:masterClrMapping/>
+  </p:clrMapOvr>
+</p:sld>
+</file>
+
+<file path=ppt/slides/slide20.xml><?xml version="1.0" encoding="utf-8"?>
+<p:sld xmlns:a="http://schemas.openxmlformats.org/drawingml/2006/main" xmlns:r="http://schemas.openxmlformats.org/officeDocument/2006/relationships" xmlns:p="http://schemas.openxmlformats.org/presentationml/2006/main">
+  <p:cSld>
+    <p:spTree>
+      <p:nvGrpSpPr>
+        <p:cNvPr id="1" name=""/>
+        <p:cNvGrpSpPr/>
+        <p:nvPr/>
+      </p:nvGrpSpPr>
+      <p:grpSpPr>
+        <a:xfrm>
+          <a:off x="0" y="0"/>
+          <a:ext cx="0" cy="0"/>
+          <a:chOff x="0" y="0"/>
+          <a:chExt cx="0" cy="0"/>
+        </a:xfrm>
+      </p:grpSpPr>
+      <p:sp>
+        <p:nvSpPr>
+          <p:cNvPr id="2" name="Title 1">
+            <a:extLst>
+              <a:ext uri="{FF2B5EF4-FFF2-40B4-BE49-F238E27FC236}">
+                <a16:creationId xmlns:a16="http://schemas.microsoft.com/office/drawing/2014/main" id="{431DD80C-6508-D888-F81B-C39C6C02703C}"/>
+              </a:ext>
+            </a:extLst>
+          </p:cNvPr>
+          <p:cNvSpPr>
+            <a:spLocks noGrp="1"/>
+          </p:cNvSpPr>
+          <p:nvPr>
+            <p:ph type="title"/>
+          </p:nvPr>
+        </p:nvSpPr>
+        <p:spPr/>
+        <p:txBody>
+          <a:bodyPr/>
+          <a:lstStyle/>
+          <a:p>
+            <a:r>
+              <a:rPr lang="en-US" dirty="0"/>
+              <a:t>But First – Think Not in Code</a:t>
+            </a:r>
+          </a:p>
+        </p:txBody>
+      </p:sp>
+      <p:sp>
+        <p:nvSpPr>
+          <p:cNvPr id="3" name="Content Placeholder 2">
+            <a:extLst>
+              <a:ext uri="{FF2B5EF4-FFF2-40B4-BE49-F238E27FC236}">
+                <a16:creationId xmlns:a16="http://schemas.microsoft.com/office/drawing/2014/main" id="{BC9E74E4-63EC-FCA8-8E40-1EED60D67750}"/>
+              </a:ext>
+            </a:extLst>
+          </p:cNvPr>
+          <p:cNvSpPr>
+            <a:spLocks noGrp="1"/>
+          </p:cNvSpPr>
+          <p:nvPr>
+            <p:ph idx="1"/>
+          </p:nvPr>
+        </p:nvSpPr>
+        <p:spPr>
+          <a:xfrm>
+            <a:off x="472966" y="1853754"/>
+            <a:ext cx="11582400" cy="4199727"/>
+          </a:xfrm>
+        </p:spPr>
+        <p:txBody>
+          <a:bodyPr>
+            <a:normAutofit/>
+          </a:bodyPr>
+          <a:lstStyle/>
+          <a:p>
+            <a:r>
+              <a:rPr lang="en-US" dirty="0"/>
+              <a:t>We want to start out thinking in pseudocode – steps written in plain language. </a:t>
+            </a:r>
+          </a:p>
+          <a:p>
+            <a:r>
+              <a:rPr lang="en-US" dirty="0"/>
+              <a:t>Start with what we want to do, in detailed steps. </a:t>
+            </a:r>
+          </a:p>
+          <a:p>
+            <a:pPr lvl="1"/>
+            <a:r>
+              <a:rPr lang="en-US" dirty="0"/>
+              <a:t>We can then look up how to translate </a:t>
+            </a:r>
+            <a:r>
+              <a:rPr lang="en-US"/>
+              <a:t>each step to code. </a:t>
+            </a:r>
+            <a:endParaRPr lang="en-US" dirty="0"/>
+          </a:p>
+          <a:p>
+            <a:r>
+              <a:rPr lang="en-US" dirty="0"/>
+              <a:t>Easier and more transferable than memorizing code. </a:t>
+            </a:r>
+          </a:p>
+        </p:txBody>
+      </p:sp>
+    </p:spTree>
+    <p:extLst>
+      <p:ext uri="{BB962C8B-B14F-4D97-AF65-F5344CB8AC3E}">
+        <p14:creationId xmlns:p14="http://schemas.microsoft.com/office/powerpoint/2010/main" val="3976449799"/>
+      </p:ext>
+    </p:extLst>
+  </p:cSld>
+  <p:clrMapOvr>
+    <a:masterClrMapping/>
+  </p:clrMapOvr>
+</p:sld>
+</file>
+
+<file path=ppt/slides/slide21.xml><?xml version="1.0" encoding="utf-8"?>
+<p:sld xmlns:a="http://schemas.openxmlformats.org/drawingml/2006/main" xmlns:r="http://schemas.openxmlformats.org/officeDocument/2006/relationships" xmlns:p="http://schemas.openxmlformats.org/presentationml/2006/main">
+  <p:cSld>
+    <p:spTree>
+      <p:nvGrpSpPr>
+        <p:cNvPr id="1" name=""/>
+        <p:cNvGrpSpPr/>
+        <p:nvPr/>
+      </p:nvGrpSpPr>
+      <p:grpSpPr>
+        <a:xfrm>
+          <a:off x="0" y="0"/>
+          <a:ext cx="0" cy="0"/>
+          <a:chOff x="0" y="0"/>
+          <a:chExt cx="0" cy="0"/>
+        </a:xfrm>
+      </p:grpSpPr>
+      <p:sp>
+        <p:nvSpPr>
+          <p:cNvPr id="2" name="Title 1">
+            <a:extLst>
+              <a:ext uri="{FF2B5EF4-FFF2-40B4-BE49-F238E27FC236}">
+                <a16:creationId xmlns:a16="http://schemas.microsoft.com/office/drawing/2014/main" id="{2BD316D0-FC2C-522B-94F4-FA5BB14E040E}"/>
+              </a:ext>
+            </a:extLst>
+          </p:cNvPr>
+          <p:cNvSpPr>
+            <a:spLocks noGrp="1"/>
+          </p:cNvSpPr>
+          <p:nvPr>
+            <p:ph type="title"/>
+          </p:nvPr>
+        </p:nvSpPr>
+        <p:spPr/>
+        <p:txBody>
+          <a:bodyPr/>
+          <a:lstStyle/>
+          <a:p>
+            <a:r>
+              <a:rPr lang="en-US" dirty="0"/>
+              <a:t>Pseudocode</a:t>
+            </a:r>
+          </a:p>
+        </p:txBody>
+      </p:sp>
+      <p:sp>
+        <p:nvSpPr>
+          <p:cNvPr id="3" name="Content Placeholder 2">
+            <a:extLst>
+              <a:ext uri="{FF2B5EF4-FFF2-40B4-BE49-F238E27FC236}">
+                <a16:creationId xmlns:a16="http://schemas.microsoft.com/office/drawing/2014/main" id="{73FBD058-2050-FA56-9AC5-398847EF56E5}"/>
+              </a:ext>
+            </a:extLst>
+          </p:cNvPr>
+          <p:cNvSpPr>
+            <a:spLocks noGrp="1"/>
+          </p:cNvSpPr>
+          <p:nvPr>
+            <p:ph idx="1"/>
+          </p:nvPr>
+        </p:nvSpPr>
+        <p:spPr/>
+        <p:txBody>
+          <a:bodyPr/>
+          <a:lstStyle/>
+          <a:p>
+            <a:endParaRPr lang="en-US"/>
+          </a:p>
+        </p:txBody>
+      </p:sp>
+      <p:pic>
+        <p:nvPicPr>
+          <p:cNvPr id="1028" name="Picture 4" descr="Python Programming Series (Flowcharts &amp; Pseudocode): Pseudocode">
+            <a:extLst>
+              <a:ext uri="{FF2B5EF4-FFF2-40B4-BE49-F238E27FC236}">
+                <a16:creationId xmlns:a16="http://schemas.microsoft.com/office/drawing/2014/main" id="{FEF308B1-5A68-E147-0E53-1F91CF8A63B8}"/>
+              </a:ext>
+            </a:extLst>
+          </p:cNvPr>
+          <p:cNvPicPr>
+            <a:picLocks noChangeAspect="1" noChangeArrowheads="1"/>
+          </p:cNvPicPr>
+          <p:nvPr/>
+        </p:nvPicPr>
+        <p:blipFill rotWithShape="1">
+          <a:blip r:embed="rId2">
+            <a:extLst>
+              <a:ext uri="{28A0092B-C50C-407E-A947-70E740481C1C}">
+                <a14:useLocalDpi xmlns:a14="http://schemas.microsoft.com/office/drawing/2010/main" val="0"/>
+              </a:ext>
+            </a:extLst>
+          </a:blip>
+          <a:srcRect t="6580" r="7467" b="16017"/>
+          <a:stretch/>
+        </p:blipFill>
+        <p:spPr bwMode="auto">
+          <a:xfrm>
+            <a:off x="775854" y="1869325"/>
+            <a:ext cx="10640291" cy="5006537"/>
+          </a:xfrm>
+          <a:prstGeom prst="rect">
+            <a:avLst/>
+          </a:prstGeom>
+          <a:noFill/>
+          <a:extLst>
+            <a:ext uri="{909E8E84-426E-40DD-AFC4-6F175D3DCCD1}">
+              <a14:hiddenFill xmlns:a14="http://schemas.microsoft.com/office/drawing/2010/main">
+                <a:solidFill>
+                  <a:srgbClr val="FFFFFF"/>
+                </a:solidFill>
+              </a14:hiddenFill>
+            </a:ext>
+          </a:extLst>
+        </p:spPr>
+      </p:pic>
+    </p:spTree>
+    <p:extLst>
+      <p:ext uri="{BB962C8B-B14F-4D97-AF65-F5344CB8AC3E}">
+        <p14:creationId xmlns:p14="http://schemas.microsoft.com/office/powerpoint/2010/main" val="3723287361"/>
+      </p:ext>
+    </p:extLst>
+  </p:cSld>
+  <p:clrMapOvr>
+    <a:masterClrMapping/>
+  </p:clrMapOvr>
+</p:sld>
+</file>
+
+<file path=ppt/slides/slide22.xml><?xml version="1.0" encoding="utf-8"?>
+<p:sld xmlns:a="http://schemas.openxmlformats.org/drawingml/2006/main" xmlns:r="http://schemas.openxmlformats.org/officeDocument/2006/relationships" xmlns:p="http://schemas.openxmlformats.org/presentationml/2006/main">
+  <p:cSld>
+    <p:spTree>
+      <p:nvGrpSpPr>
+        <p:cNvPr id="1" name=""/>
+        <p:cNvGrpSpPr/>
+        <p:nvPr/>
+      </p:nvGrpSpPr>
+      <p:grpSpPr>
+        <a:xfrm>
+          <a:off x="0" y="0"/>
+          <a:ext cx="0" cy="0"/>
+          <a:chOff x="0" y="0"/>
+          <a:chExt cx="0" cy="0"/>
+        </a:xfrm>
+      </p:grpSpPr>
+      <p:sp>
+        <p:nvSpPr>
+          <p:cNvPr id="2" name="Title 1">
+            <a:extLst>
+              <a:ext uri="{FF2B5EF4-FFF2-40B4-BE49-F238E27FC236}">
+                <a16:creationId xmlns:a16="http://schemas.microsoft.com/office/drawing/2014/main" id="{B38A8EDA-105E-BEEB-8E1F-4B9727504B80}"/>
+              </a:ext>
+            </a:extLst>
+          </p:cNvPr>
+          <p:cNvSpPr>
+            <a:spLocks noGrp="1"/>
+          </p:cNvSpPr>
+          <p:nvPr>
+            <p:ph type="title"/>
+          </p:nvPr>
+        </p:nvSpPr>
+        <p:spPr/>
+        <p:txBody>
+          <a:bodyPr/>
+          <a:lstStyle/>
+          <a:p>
+            <a:r>
+              <a:rPr lang="en-US" dirty="0"/>
+              <a:t>Pseudocode</a:t>
+            </a:r>
+          </a:p>
+        </p:txBody>
+      </p:sp>
+      <p:sp>
+        <p:nvSpPr>
+          <p:cNvPr id="3" name="Content Placeholder 2">
+            <a:extLst>
+              <a:ext uri="{FF2B5EF4-FFF2-40B4-BE49-F238E27FC236}">
+                <a16:creationId xmlns:a16="http://schemas.microsoft.com/office/drawing/2014/main" id="{12715377-7CD6-1DE6-84CC-36194E2844F0}"/>
+              </a:ext>
+            </a:extLst>
+          </p:cNvPr>
+          <p:cNvSpPr>
+            <a:spLocks noGrp="1"/>
+          </p:cNvSpPr>
+          <p:nvPr>
+            <p:ph idx="1"/>
+          </p:nvPr>
+        </p:nvSpPr>
+        <p:spPr>
+          <a:xfrm>
+            <a:off x="724395" y="1853754"/>
+            <a:ext cx="11364686" cy="4285789"/>
+          </a:xfrm>
+        </p:spPr>
+        <p:txBody>
+          <a:bodyPr/>
+          <a:lstStyle/>
+          <a:p>
+            <a:r>
+              <a:rPr lang="en-US" dirty="0"/>
+              <a:t>Pseudocode is just what we want to do, in English.</a:t>
+            </a:r>
+          </a:p>
+          <a:p>
+            <a:pPr lvl="1"/>
+            <a:r>
+              <a:rPr lang="en-US" dirty="0"/>
+              <a:t>Think first, then translate to code. </a:t>
+            </a:r>
+          </a:p>
+          <a:p>
+            <a:pPr lvl="1"/>
+            <a:r>
+              <a:rPr lang="en-US" dirty="0"/>
+              <a:t>Build the logic without worrying about syntax. </a:t>
+            </a:r>
+          </a:p>
+          <a:p>
+            <a:r>
+              <a:rPr lang="en-US" dirty="0"/>
+              <a:t>Aim for singular steps – one action only. </a:t>
+            </a:r>
+          </a:p>
+          <a:p>
+            <a:pPr lvl="1"/>
+            <a:r>
+              <a:rPr lang="en-US" dirty="0"/>
+              <a:t>We can always look up how to do one thing in Python. </a:t>
+            </a:r>
+          </a:p>
+          <a:p>
+            <a:endParaRPr lang="en-US" dirty="0"/>
+          </a:p>
+        </p:txBody>
+      </p:sp>
+    </p:spTree>
+    <p:extLst>
+      <p:ext uri="{BB962C8B-B14F-4D97-AF65-F5344CB8AC3E}">
+        <p14:creationId xmlns:p14="http://schemas.microsoft.com/office/powerpoint/2010/main" val="51234290"/>
+      </p:ext>
+    </p:extLst>
+  </p:cSld>
+  <p:clrMapOvr>
+    <a:masterClrMapping/>
+  </p:clrMapOvr>
+</p:sld>
+</file>
+
+<file path=ppt/slides/slide23.xml><?xml version="1.0" encoding="utf-8"?>
+<p:sld xmlns:a="http://schemas.openxmlformats.org/drawingml/2006/main" xmlns:r="http://schemas.openxmlformats.org/officeDocument/2006/relationships" xmlns:p="http://schemas.openxmlformats.org/presentationml/2006/main">
+  <p:cSld>
+    <p:spTree>
+      <p:nvGrpSpPr>
+        <p:cNvPr id="1" name=""/>
+        <p:cNvGrpSpPr/>
+        <p:nvPr/>
+      </p:nvGrpSpPr>
+      <p:grpSpPr>
+        <a:xfrm>
+          <a:off x="0" y="0"/>
+          <a:ext cx="0" cy="0"/>
+          <a:chOff x="0" y="0"/>
+          <a:chExt cx="0" cy="0"/>
+        </a:xfrm>
+      </p:grpSpPr>
+      <p:sp>
+        <p:nvSpPr>
+          <p:cNvPr id="2" name="Title 1">
+            <a:extLst>
+              <a:ext uri="{FF2B5EF4-FFF2-40B4-BE49-F238E27FC236}">
+                <a16:creationId xmlns:a16="http://schemas.microsoft.com/office/drawing/2014/main" id="{0EEFEE9F-1501-2180-6B35-7EB6FD7B6A5B}"/>
+              </a:ext>
+            </a:extLst>
+          </p:cNvPr>
+          <p:cNvSpPr>
+            <a:spLocks noGrp="1"/>
+          </p:cNvSpPr>
+          <p:nvPr>
+            <p:ph type="title"/>
+          </p:nvPr>
+        </p:nvSpPr>
+        <p:spPr/>
+        <p:txBody>
+          <a:bodyPr/>
+          <a:lstStyle/>
+          <a:p>
+            <a:r>
+              <a:rPr lang="en-US" dirty="0"/>
+              <a:t>Check </a:t>
+            </a:r>
+            <a:r>
+              <a:rPr lang="en-US" dirty="0" err="1"/>
+              <a:t>Yo</a:t>
+            </a:r>
+            <a:r>
+              <a:rPr lang="en-US" dirty="0"/>
+              <a:t>’ Self</a:t>
+            </a:r>
+          </a:p>
+        </p:txBody>
+      </p:sp>
+      <p:sp>
+        <p:nvSpPr>
+          <p:cNvPr id="3" name="Content Placeholder 2">
+            <a:extLst>
+              <a:ext uri="{FF2B5EF4-FFF2-40B4-BE49-F238E27FC236}">
+                <a16:creationId xmlns:a16="http://schemas.microsoft.com/office/drawing/2014/main" id="{C79FD76D-C922-F1CB-DD07-15FBF071C541}"/>
+              </a:ext>
+            </a:extLst>
+          </p:cNvPr>
+          <p:cNvSpPr>
+            <a:spLocks noGrp="1"/>
+          </p:cNvSpPr>
+          <p:nvPr>
+            <p:ph idx="1"/>
+          </p:nvPr>
+        </p:nvSpPr>
+        <p:spPr>
+          <a:xfrm>
+            <a:off x="225631" y="1853754"/>
+            <a:ext cx="11792198" cy="4297664"/>
+          </a:xfrm>
+        </p:spPr>
+        <p:txBody>
+          <a:bodyPr>
+            <a:normAutofit lnSpcReduction="10000"/>
+          </a:bodyPr>
+          <a:lstStyle/>
+          <a:p>
+            <a:r>
+              <a:rPr lang="en-US" dirty="0"/>
+              <a:t>Along with pseudocode, we want to consider testing. </a:t>
+            </a:r>
+          </a:p>
+          <a:p>
+            <a:pPr lvl="1"/>
+            <a:r>
+              <a:rPr lang="en-US" dirty="0"/>
+              <a:t>How do we check that our outcome is correct?</a:t>
+            </a:r>
+          </a:p>
+          <a:p>
+            <a:pPr lvl="1"/>
+            <a:r>
+              <a:rPr lang="en-US" dirty="0"/>
+              <a:t>What is “good” and what is a “failure”? </a:t>
+            </a:r>
+          </a:p>
+          <a:p>
+            <a:r>
+              <a:rPr lang="en-US" dirty="0"/>
+              <a:t>A – (Usually) look at the values, and check:</a:t>
+            </a:r>
+          </a:p>
+          <a:p>
+            <a:pPr lvl="1"/>
+            <a:r>
+              <a:rPr lang="en-US" dirty="0"/>
+              <a:t>Look at variables window as code runs. </a:t>
+            </a:r>
+          </a:p>
+          <a:p>
+            <a:pPr lvl="1"/>
+            <a:r>
+              <a:rPr lang="en-US" dirty="0"/>
+              <a:t>Print the value of variables step by step. </a:t>
+            </a:r>
+          </a:p>
+        </p:txBody>
+      </p:sp>
+    </p:spTree>
+    <p:extLst>
+      <p:ext uri="{BB962C8B-B14F-4D97-AF65-F5344CB8AC3E}">
+        <p14:creationId xmlns:p14="http://schemas.microsoft.com/office/powerpoint/2010/main" val="1725356360"/>
+      </p:ext>
+    </p:extLst>
+  </p:cSld>
+  <p:clrMapOvr>
+    <a:masterClrMapping/>
+  </p:clrMapOvr>
+</p:sld>
+</file>
+
+<file path=ppt/slides/slide24.xml><?xml version="1.0" encoding="utf-8"?>
+<p:sld xmlns:a="http://schemas.openxmlformats.org/drawingml/2006/main" xmlns:r="http://schemas.openxmlformats.org/officeDocument/2006/relationships" xmlns:p="http://schemas.openxmlformats.org/presentationml/2006/main">
+  <p:cSld>
+    <p:spTree>
+      <p:nvGrpSpPr>
+        <p:cNvPr id="1" name=""/>
+        <p:cNvGrpSpPr/>
+        <p:nvPr/>
+      </p:nvGrpSpPr>
+      <p:grpSpPr>
+        <a:xfrm>
+          <a:off x="0" y="0"/>
+          <a:ext cx="0" cy="0"/>
+          <a:chOff x="0" y="0"/>
+          <a:chExt cx="0" cy="0"/>
+        </a:xfrm>
+      </p:grpSpPr>
+      <p:sp>
+        <p:nvSpPr>
+          <p:cNvPr id="2" name="Title 1">
+            <a:extLst>
+              <a:ext uri="{FF2B5EF4-FFF2-40B4-BE49-F238E27FC236}">
+                <a16:creationId xmlns:a16="http://schemas.microsoft.com/office/drawing/2014/main" id="{863D755A-4564-8807-5BA3-9BF0D36AA003}"/>
+              </a:ext>
+            </a:extLst>
+          </p:cNvPr>
+          <p:cNvSpPr>
+            <a:spLocks noGrp="1"/>
+          </p:cNvSpPr>
+          <p:nvPr>
+            <p:ph type="title"/>
+          </p:nvPr>
+        </p:nvSpPr>
+        <p:spPr/>
+        <p:txBody>
+          <a:bodyPr/>
+          <a:lstStyle/>
+          <a:p>
+            <a:r>
+              <a:rPr lang="en-US" dirty="0"/>
+              <a:t>Self-Testing</a:t>
+            </a:r>
+          </a:p>
+        </p:txBody>
+      </p:sp>
+      <p:sp>
+        <p:nvSpPr>
+          <p:cNvPr id="3" name="Content Placeholder 2">
+            <a:extLst>
+              <a:ext uri="{FF2B5EF4-FFF2-40B4-BE49-F238E27FC236}">
+                <a16:creationId xmlns:a16="http://schemas.microsoft.com/office/drawing/2014/main" id="{FE1740D5-6CD9-C03F-5F9E-D84AD97E27EB}"/>
+              </a:ext>
+            </a:extLst>
+          </p:cNvPr>
+          <p:cNvSpPr>
+            <a:spLocks noGrp="1"/>
+          </p:cNvSpPr>
+          <p:nvPr>
+            <p:ph idx="1"/>
+          </p:nvPr>
+        </p:nvSpPr>
+        <p:spPr>
+          <a:xfrm>
+            <a:off x="273133" y="1853754"/>
+            <a:ext cx="11625942" cy="4199727"/>
+          </a:xfrm>
+        </p:spPr>
+        <p:txBody>
+          <a:bodyPr>
+            <a:normAutofit lnSpcReduction="10000"/>
+          </a:bodyPr>
+          <a:lstStyle/>
+          <a:p>
+            <a:r>
+              <a:rPr lang="en-US" dirty="0"/>
+              <a:t>If we know the start/end, we can test our code:</a:t>
+            </a:r>
+          </a:p>
+          <a:p>
+            <a:pPr lvl="1"/>
+            <a:r>
+              <a:rPr lang="en-US" dirty="0"/>
+              <a:t>Do we end up where we need to?</a:t>
+            </a:r>
+          </a:p>
+          <a:p>
+            <a:pPr lvl="1"/>
+            <a:r>
+              <a:rPr lang="en-US" dirty="0"/>
+              <a:t>If not, we can check each step (line) to find the mistake. </a:t>
+            </a:r>
+          </a:p>
+          <a:p>
+            <a:pPr lvl="1"/>
+            <a:r>
+              <a:rPr lang="en-US" dirty="0"/>
+              <a:t>I.e. print out value/test, or use debug tools each line. </a:t>
+            </a:r>
+          </a:p>
+          <a:p>
+            <a:pPr lvl="1"/>
+            <a:r>
+              <a:rPr lang="en-US" dirty="0"/>
+              <a:t>Once we find where things go wrong, we know the line. </a:t>
+            </a:r>
+          </a:p>
+          <a:p>
+            <a:r>
+              <a:rPr lang="en-US" dirty="0"/>
+              <a:t>Much easier than fixing a complex process directly!</a:t>
+            </a:r>
+          </a:p>
+        </p:txBody>
+      </p:sp>
+    </p:spTree>
+    <p:extLst>
+      <p:ext uri="{BB962C8B-B14F-4D97-AF65-F5344CB8AC3E}">
+        <p14:creationId xmlns:p14="http://schemas.microsoft.com/office/powerpoint/2010/main" val="4094628883"/>
+      </p:ext>
+    </p:extLst>
+  </p:cSld>
+  <p:clrMapOvr>
+    <a:masterClrMapping/>
+  </p:clrMapOvr>
+</p:sld>
+</file>
+
+<file path=ppt/slides/slide25.xml><?xml version="1.0" encoding="utf-8"?>
+<p:sld xmlns:a="http://schemas.openxmlformats.org/drawingml/2006/main" xmlns:r="http://schemas.openxmlformats.org/officeDocument/2006/relationships" xmlns:p="http://schemas.openxmlformats.org/presentationml/2006/main">
+  <p:cSld>
+    <p:spTree>
+      <p:nvGrpSpPr>
+        <p:cNvPr id="1" name=""/>
+        <p:cNvGrpSpPr/>
+        <p:nvPr/>
+      </p:nvGrpSpPr>
+      <p:grpSpPr>
+        <a:xfrm>
+          <a:off x="0" y="0"/>
+          <a:ext cx="0" cy="0"/>
+          <a:chOff x="0" y="0"/>
+          <a:chExt cx="0" cy="0"/>
+        </a:xfrm>
+      </p:grpSpPr>
+      <p:sp>
+        <p:nvSpPr>
+          <p:cNvPr id="2" name="Title 1">
+            <a:extLst>
+              <a:ext uri="{FF2B5EF4-FFF2-40B4-BE49-F238E27FC236}">
+                <a16:creationId xmlns:a16="http://schemas.microsoft.com/office/drawing/2014/main" id="{BBC60081-2E6D-F771-5EDC-D23351CDD021}"/>
+              </a:ext>
+            </a:extLst>
+          </p:cNvPr>
+          <p:cNvSpPr>
+            <a:spLocks noGrp="1"/>
+          </p:cNvSpPr>
+          <p:nvPr>
+            <p:ph type="title"/>
+          </p:nvPr>
+        </p:nvSpPr>
+        <p:spPr>
+          <a:xfrm>
+            <a:off x="1211283" y="804519"/>
+            <a:ext cx="9963398" cy="1049235"/>
+          </a:xfrm>
+        </p:spPr>
+        <p:txBody>
+          <a:bodyPr/>
+          <a:lstStyle/>
+          <a:p>
+            <a:r>
+              <a:rPr lang="en-US" dirty="0"/>
+              <a:t>E.g. Name Order Swap (First Last -&gt; Last, First)</a:t>
+            </a:r>
+          </a:p>
+        </p:txBody>
+      </p:sp>
+      <p:sp>
+        <p:nvSpPr>
+          <p:cNvPr id="3" name="Content Placeholder 2">
+            <a:extLst>
+              <a:ext uri="{FF2B5EF4-FFF2-40B4-BE49-F238E27FC236}">
+                <a16:creationId xmlns:a16="http://schemas.microsoft.com/office/drawing/2014/main" id="{22A76A46-FE29-CAC5-FD0B-3D109143A684}"/>
+              </a:ext>
+            </a:extLst>
+          </p:cNvPr>
+          <p:cNvSpPr>
+            <a:spLocks noGrp="1"/>
+          </p:cNvSpPr>
+          <p:nvPr>
+            <p:ph idx="1"/>
+          </p:nvPr>
+        </p:nvSpPr>
+        <p:spPr/>
+        <p:txBody>
+          <a:bodyPr/>
+          <a:lstStyle/>
+          <a:p>
+            <a:endParaRPr lang="en-US"/>
+          </a:p>
+        </p:txBody>
+      </p:sp>
+    </p:spTree>
+    <p:extLst>
+      <p:ext uri="{BB962C8B-B14F-4D97-AF65-F5344CB8AC3E}">
+        <p14:creationId xmlns:p14="http://schemas.microsoft.com/office/powerpoint/2010/main" val="2666101202"/>
+      </p:ext>
+    </p:extLst>
+  </p:cSld>
+  <p:clrMapOvr>
+    <a:masterClrMapping/>
+  </p:clrMapOvr>
+</p:sld>
+</file>
+
+<file path=ppt/slides/slide26.xml><?xml version="1.0" encoding="utf-8"?>
+<p:sld xmlns:a="http://schemas.openxmlformats.org/drawingml/2006/main" xmlns:r="http://schemas.openxmlformats.org/officeDocument/2006/relationships" xmlns:p="http://schemas.openxmlformats.org/presentationml/2006/main">
+  <p:cSld>
+    <p:spTree>
+      <p:nvGrpSpPr>
+        <p:cNvPr id="1" name=""/>
+        <p:cNvGrpSpPr/>
+        <p:nvPr/>
+      </p:nvGrpSpPr>
+      <p:grpSpPr>
+        <a:xfrm>
+          <a:off x="0" y="0"/>
+          <a:ext cx="0" cy="0"/>
+          <a:chOff x="0" y="0"/>
+          <a:chExt cx="0" cy="0"/>
+        </a:xfrm>
+      </p:grpSpPr>
+      <p:sp>
+        <p:nvSpPr>
+          <p:cNvPr id="2" name="Title 1">
+            <a:extLst>
+              <a:ext uri="{FF2B5EF4-FFF2-40B4-BE49-F238E27FC236}">
+                <a16:creationId xmlns:a16="http://schemas.microsoft.com/office/drawing/2014/main" id="{AA3F7122-81D4-B52A-EFD9-6BF1ECC074B4}"/>
+              </a:ext>
+            </a:extLst>
+          </p:cNvPr>
+          <p:cNvSpPr>
+            <a:spLocks noGrp="1"/>
+          </p:cNvSpPr>
+          <p:nvPr>
+            <p:ph type="title"/>
+          </p:nvPr>
+        </p:nvSpPr>
+        <p:spPr/>
+        <p:txBody>
+          <a:bodyPr/>
+          <a:lstStyle/>
+          <a:p>
+            <a:r>
+              <a:rPr lang="en-US" dirty="0"/>
+              <a:t>Programming is simple!!</a:t>
+            </a:r>
+          </a:p>
+        </p:txBody>
+      </p:sp>
+      <p:sp>
+        <p:nvSpPr>
+          <p:cNvPr id="3" name="Content Placeholder 2">
+            <a:extLst>
+              <a:ext uri="{FF2B5EF4-FFF2-40B4-BE49-F238E27FC236}">
+                <a16:creationId xmlns:a16="http://schemas.microsoft.com/office/drawing/2014/main" id="{35D57560-0B12-41A0-AFF6-6D689BAAC86F}"/>
+              </a:ext>
+            </a:extLst>
+          </p:cNvPr>
+          <p:cNvSpPr>
+            <a:spLocks noGrp="1"/>
+          </p:cNvSpPr>
+          <p:nvPr>
+            <p:ph idx="1"/>
+          </p:nvPr>
+        </p:nvSpPr>
+        <p:spPr>
+          <a:xfrm>
+            <a:off x="332508" y="1853754"/>
+            <a:ext cx="11859491" cy="4199727"/>
+          </a:xfrm>
+        </p:spPr>
+        <p:txBody>
+          <a:bodyPr>
+            <a:normAutofit lnSpcReduction="10000"/>
+          </a:bodyPr>
+          <a:lstStyle/>
+          <a:p>
+            <a:r>
+              <a:rPr lang="en-US" dirty="0"/>
+              <a:t>Learning programming can be hard and frustrating. </a:t>
+            </a:r>
+          </a:p>
+          <a:p>
+            <a:r>
+              <a:rPr lang="en-US" dirty="0"/>
+              <a:t>We can minimize that and make it simpler. </a:t>
+            </a:r>
+          </a:p>
+          <a:p>
+            <a:pPr lvl="1"/>
+            <a:r>
+              <a:rPr lang="en-US" dirty="0"/>
+              <a:t>Mostly-&gt;take data, do stuff to it, send it off. Deterministic. </a:t>
+            </a:r>
+          </a:p>
+          <a:p>
+            <a:pPr lvl="1"/>
+            <a:r>
+              <a:rPr lang="en-US" dirty="0"/>
+              <a:t>Where are we now? What is the goal? How do we check?</a:t>
+            </a:r>
+          </a:p>
+          <a:p>
+            <a:pPr lvl="1"/>
+            <a:r>
+              <a:rPr lang="en-US" dirty="0"/>
+              <a:t>What steps are needed to go start-&gt;end?</a:t>
+            </a:r>
+          </a:p>
+          <a:p>
+            <a:pPr lvl="1"/>
+            <a:r>
+              <a:rPr lang="en-US" dirty="0"/>
+              <a:t>How do we do each step in code? </a:t>
+            </a:r>
+          </a:p>
+        </p:txBody>
+      </p:sp>
+    </p:spTree>
+    <p:extLst>
+      <p:ext uri="{BB962C8B-B14F-4D97-AF65-F5344CB8AC3E}">
+        <p14:creationId xmlns:p14="http://schemas.microsoft.com/office/powerpoint/2010/main" val="740172003"/>
       </p:ext>
     </p:extLst>
   </p:cSld>
@@ -5212,7 +6419,7 @@
           <p:cNvPr id="2" name="Title 1">
             <a:extLst>
               <a:ext uri="{FF2B5EF4-FFF2-40B4-BE49-F238E27FC236}">
-                <a16:creationId xmlns:a16="http://schemas.microsoft.com/office/drawing/2014/main" id="{39732700-FD17-DAF3-CB10-2C683BC7BE00}"/>
+                <a16:creationId xmlns:a16="http://schemas.microsoft.com/office/drawing/2014/main" id="{60211F7B-684B-7C17-E662-65D5DC9A6FA3}"/>
               </a:ext>
             </a:extLst>
           </p:cNvPr>
@@ -5230,7 +6437,7 @@
           <a:p>
             <a:r>
               <a:rPr lang="en-US" dirty="0"/>
-              <a:t>What is this Class for?</a:t>
+              <a:t>About me</a:t>
             </a:r>
           </a:p>
         </p:txBody>
@@ -5240,7 +6447,7 @@
           <p:cNvPr id="3" name="Content Placeholder 2">
             <a:extLst>
               <a:ext uri="{FF2B5EF4-FFF2-40B4-BE49-F238E27FC236}">
-                <a16:creationId xmlns:a16="http://schemas.microsoft.com/office/drawing/2014/main" id="{78B6FDA2-71F1-15C2-A8A5-C4978C8AD4CB}"/>
+                <a16:creationId xmlns:a16="http://schemas.microsoft.com/office/drawing/2014/main" id="{801225EF-2DB7-394A-CE05-792F189C464E}"/>
               </a:ext>
             </a:extLst>
           </p:cNvPr>
@@ -5253,50 +6460,81 @@
         </p:nvSpPr>
         <p:spPr>
           <a:xfrm>
-            <a:off x="1451579" y="1853753"/>
-            <a:ext cx="9603275" cy="4199727"/>
+            <a:off x="1451579" y="1853754"/>
+            <a:ext cx="9603275" cy="4359477"/>
           </a:xfrm>
         </p:spPr>
         <p:txBody>
           <a:bodyPr>
-            <a:normAutofit fontScale="92500" lnSpcReduction="10000"/>
+            <a:normAutofit fontScale="62500" lnSpcReduction="20000"/>
           </a:bodyPr>
           <a:lstStyle/>
           <a:p>
             <a:r>
               <a:rPr lang="en-US" dirty="0"/>
-              <a:t>Learning how to program in Python. </a:t>
-            </a:r>
-          </a:p>
-          <a:p>
-            <a:r>
-              <a:rPr lang="en-US" dirty="0"/>
-              <a:t>Programming is a tool we need for analytics. </a:t>
-            </a:r>
-          </a:p>
-          <a:p>
-            <a:r>
-              <a:rPr lang="en-US" dirty="0"/>
-              <a:t>Building skills and experience to make the other ML classes possible. </a:t>
-            </a:r>
-          </a:p>
-          <a:p>
-            <a:r>
-              <a:rPr lang="en-US" dirty="0"/>
-              <a:t>Backfilling things that are challenging from those </a:t>
-            </a:r>
-            <a:r>
-              <a:rPr lang="en-US"/>
-              <a:t>other courses. </a:t>
-            </a:r>
-            <a:endParaRPr lang="en-US" dirty="0"/>
+              <a:t>Education:</a:t>
+            </a:r>
+          </a:p>
+          <a:p>
+            <a:pPr lvl="1"/>
+            <a:r>
+              <a:rPr lang="en-US" dirty="0"/>
+              <a:t>Computer Science</a:t>
+            </a:r>
+          </a:p>
+          <a:p>
+            <a:pPr lvl="1"/>
+            <a:r>
+              <a:rPr lang="en-US" dirty="0"/>
+              <a:t>Education – Secondary Math</a:t>
+            </a:r>
+          </a:p>
+          <a:p>
+            <a:pPr lvl="1"/>
+            <a:r>
+              <a:rPr lang="en-US" dirty="0"/>
+              <a:t>MBA</a:t>
+            </a:r>
+          </a:p>
+          <a:p>
+            <a:r>
+              <a:rPr lang="en-US" dirty="0"/>
+              <a:t>Work:</a:t>
+            </a:r>
+          </a:p>
+          <a:p>
+            <a:pPr lvl="1"/>
+            <a:r>
+              <a:rPr lang="en-US" dirty="0"/>
+              <a:t>Built much of the data science stuff at NAIT. </a:t>
+            </a:r>
+          </a:p>
+          <a:p>
+            <a:pPr lvl="1"/>
+            <a:r>
+              <a:rPr lang="en-US" dirty="0"/>
+              <a:t>Worked on enterprise software, largely ETL, integration, and reporting. </a:t>
+            </a:r>
+          </a:p>
+          <a:p>
+            <a:r>
+              <a:rPr lang="en-US" dirty="0"/>
+              <a:t>Fun:</a:t>
+            </a:r>
+          </a:p>
+          <a:p>
+            <a:pPr lvl="1"/>
+            <a:r>
+              <a:rPr lang="en-US" dirty="0"/>
+              <a:t>I travel, cook, and sports. </a:t>
+            </a:r>
           </a:p>
         </p:txBody>
       </p:sp>
     </p:spTree>
     <p:extLst>
       <p:ext uri="{BB962C8B-B14F-4D97-AF65-F5344CB8AC3E}">
-        <p14:creationId xmlns:p14="http://schemas.microsoft.com/office/powerpoint/2010/main" val="4022616227"/>
+        <p14:creationId xmlns:p14="http://schemas.microsoft.com/office/powerpoint/2010/main" val="3948899667"/>
       </p:ext>
     </p:extLst>
   </p:cSld>
@@ -5328,7 +6566,7 @@
           <p:cNvPr id="2" name="Title 1">
             <a:extLst>
               <a:ext uri="{FF2B5EF4-FFF2-40B4-BE49-F238E27FC236}">
-                <a16:creationId xmlns:a16="http://schemas.microsoft.com/office/drawing/2014/main" id="{E81E829C-F03C-585F-7F0B-0E6B37161BD1}"/>
+                <a16:creationId xmlns:a16="http://schemas.microsoft.com/office/drawing/2014/main" id="{39732700-FD17-DAF3-CB10-2C683BC7BE00}"/>
               </a:ext>
             </a:extLst>
           </p:cNvPr>
@@ -5346,7 +6584,7 @@
           <a:p>
             <a:r>
               <a:rPr lang="en-US" dirty="0"/>
-              <a:t>Goals</a:t>
+              <a:t>What is this Class for?</a:t>
             </a:r>
           </a:p>
         </p:txBody>
@@ -5356,7 +6594,7 @@
           <p:cNvPr id="3" name="Content Placeholder 2">
             <a:extLst>
               <a:ext uri="{FF2B5EF4-FFF2-40B4-BE49-F238E27FC236}">
-                <a16:creationId xmlns:a16="http://schemas.microsoft.com/office/drawing/2014/main" id="{5FABA7C8-68D9-9D53-EE50-FF549935D58D}"/>
+                <a16:creationId xmlns:a16="http://schemas.microsoft.com/office/drawing/2014/main" id="{78B6FDA2-71F1-15C2-A8A5-C4978C8AD4CB}"/>
               </a:ext>
             </a:extLst>
           </p:cNvPr>
@@ -5369,46 +6607,50 @@
         </p:nvSpPr>
         <p:spPr>
           <a:xfrm>
-            <a:off x="1451579" y="1853754"/>
+            <a:off x="1451579" y="1853753"/>
             <a:ext cx="9603275" cy="4199727"/>
           </a:xfrm>
         </p:spPr>
         <p:txBody>
           <a:bodyPr>
-            <a:normAutofit fontScale="85000" lnSpcReduction="20000"/>
+            <a:normAutofit fontScale="92500" lnSpcReduction="10000"/>
           </a:bodyPr>
           <a:lstStyle/>
           <a:p>
             <a:r>
               <a:rPr lang="en-US" dirty="0"/>
-              <a:t>Get everyone comfortable with basic programming. </a:t>
-            </a:r>
-          </a:p>
-          <a:p>
-            <a:pPr lvl="1"/>
-            <a:r>
-              <a:rPr lang="en-US" dirty="0"/>
-              <a:t>Ideally to the point where you can search -&gt; read documentation -&gt; implement for new concepts. </a:t>
-            </a:r>
-          </a:p>
-          <a:p>
-            <a:r>
-              <a:rPr lang="en-US" dirty="0"/>
-              <a:t>Build familiarity with the tools and resources used in data science. </a:t>
-            </a:r>
-          </a:p>
-          <a:p>
-            <a:r>
-              <a:rPr lang="en-US" dirty="0"/>
-              <a:t>Allow you to work through the content of the other DS classes efficiently. </a:t>
-            </a:r>
+              <a:t>Learning how to program in Python. </a:t>
+            </a:r>
+          </a:p>
+          <a:p>
+            <a:r>
+              <a:rPr lang="en-US" dirty="0"/>
+              <a:t>Programming is a tool we need for analytics. </a:t>
+            </a:r>
+          </a:p>
+          <a:p>
+            <a:r>
+              <a:rPr lang="en-US" dirty="0"/>
+              <a:t>Building skills and experience to make the other ML classes possible. </a:t>
+            </a:r>
+          </a:p>
+          <a:p>
+            <a:r>
+              <a:rPr lang="en-US" dirty="0"/>
+              <a:t>Backfilling things that are challenging from those </a:t>
+            </a:r>
+            <a:r>
+              <a:rPr lang="en-US"/>
+              <a:t>other courses. </a:t>
+            </a:r>
+            <a:endParaRPr lang="en-US" dirty="0"/>
           </a:p>
         </p:txBody>
       </p:sp>
     </p:spTree>
     <p:extLst>
       <p:ext uri="{BB962C8B-B14F-4D97-AF65-F5344CB8AC3E}">
-        <p14:creationId xmlns:p14="http://schemas.microsoft.com/office/powerpoint/2010/main" val="4250937512"/>
+        <p14:creationId xmlns:p14="http://schemas.microsoft.com/office/powerpoint/2010/main" val="4022616227"/>
       </p:ext>
     </p:extLst>
   </p:cSld>
@@ -5440,7 +6682,7 @@
           <p:cNvPr id="2" name="Title 1">
             <a:extLst>
               <a:ext uri="{FF2B5EF4-FFF2-40B4-BE49-F238E27FC236}">
-                <a16:creationId xmlns:a16="http://schemas.microsoft.com/office/drawing/2014/main" id="{21A19CA2-305C-21C5-3055-B374E00D3184}"/>
+                <a16:creationId xmlns:a16="http://schemas.microsoft.com/office/drawing/2014/main" id="{E81E829C-F03C-585F-7F0B-0E6B37161BD1}"/>
               </a:ext>
             </a:extLst>
           </p:cNvPr>
@@ -5458,7 +6700,7 @@
           <a:p>
             <a:r>
               <a:rPr lang="en-US" dirty="0"/>
-              <a:t>Grades and Assignments</a:t>
+              <a:t>Goals</a:t>
             </a:r>
           </a:p>
         </p:txBody>
@@ -5468,7 +6710,7 @@
           <p:cNvPr id="3" name="Content Placeholder 2">
             <a:extLst>
               <a:ext uri="{FF2B5EF4-FFF2-40B4-BE49-F238E27FC236}">
-                <a16:creationId xmlns:a16="http://schemas.microsoft.com/office/drawing/2014/main" id="{126E9744-EC70-850C-B52D-CD431D7E566A}"/>
+                <a16:creationId xmlns:a16="http://schemas.microsoft.com/office/drawing/2014/main" id="{5FABA7C8-68D9-9D53-EE50-FF549935D58D}"/>
               </a:ext>
             </a:extLst>
           </p:cNvPr>
@@ -5481,52 +6723,38 @@
         </p:nvSpPr>
         <p:spPr>
           <a:xfrm>
-            <a:off x="1451579" y="2015732"/>
-            <a:ext cx="9603275" cy="4037749"/>
+            <a:off x="1451579" y="1853754"/>
+            <a:ext cx="9603275" cy="4199727"/>
           </a:xfrm>
         </p:spPr>
         <p:txBody>
           <a:bodyPr>
-            <a:normAutofit fontScale="92500" lnSpcReduction="10000"/>
+            <a:normAutofit fontScale="85000" lnSpcReduction="20000"/>
           </a:bodyPr>
           <a:lstStyle/>
           <a:p>
             <a:r>
               <a:rPr lang="en-US" dirty="0"/>
-              <a:t>36% - 6 labs. </a:t>
+              <a:t>Get everyone comfortable with basic programming. </a:t>
             </a:r>
           </a:p>
           <a:p>
             <a:pPr lvl="1"/>
             <a:r>
               <a:rPr lang="en-US" dirty="0"/>
-              <a:t>Easy regular practice. </a:t>
-            </a:r>
-          </a:p>
-          <a:p>
-            <a:r>
-              <a:rPr lang="en-US" dirty="0"/>
-              <a:t>42% - 3 exams. </a:t>
-            </a:r>
-          </a:p>
-          <a:p>
-            <a:pPr lvl="1"/>
-            <a:r>
-              <a:rPr lang="en-US" dirty="0"/>
-              <a:t>Theory and coding under time constraints. </a:t>
-            </a:r>
-          </a:p>
-          <a:p>
-            <a:r>
-              <a:rPr lang="en-US" dirty="0"/>
-              <a:t>22% - 2 assignments. </a:t>
-            </a:r>
-          </a:p>
-          <a:p>
-            <a:pPr lvl="1"/>
-            <a:r>
-              <a:rPr lang="en-US" dirty="0"/>
-              <a:t>Larger scale projects. </a:t>
+              <a:t>Ideally to the point where you can search -&gt; read documentation -&gt; implement for new concepts. </a:t>
+            </a:r>
+          </a:p>
+          <a:p>
+            <a:r>
+              <a:rPr lang="en-US" dirty="0"/>
+              <a:t>Build familiarity with the tools and resources used in data science. </a:t>
+            </a:r>
+          </a:p>
+          <a:p>
+            <a:r>
+              <a:rPr lang="en-US" dirty="0"/>
+              <a:t>Allow you to work through the content of the other DS classes efficiently. </a:t>
             </a:r>
           </a:p>
         </p:txBody>
@@ -5534,7 +6762,7 @@
     </p:spTree>
     <p:extLst>
       <p:ext uri="{BB962C8B-B14F-4D97-AF65-F5344CB8AC3E}">
-        <p14:creationId xmlns:p14="http://schemas.microsoft.com/office/powerpoint/2010/main" val="1298569493"/>
+        <p14:creationId xmlns:p14="http://schemas.microsoft.com/office/powerpoint/2010/main" val="4250937512"/>
       </p:ext>
     </p:extLst>
   </p:cSld>
@@ -5566,7 +6794,7 @@
           <p:cNvPr id="2" name="Title 1">
             <a:extLst>
               <a:ext uri="{FF2B5EF4-FFF2-40B4-BE49-F238E27FC236}">
-                <a16:creationId xmlns:a16="http://schemas.microsoft.com/office/drawing/2014/main" id="{1D5AD35C-E6D7-E75E-E3E1-95DC85CFB6F5}"/>
+                <a16:creationId xmlns:a16="http://schemas.microsoft.com/office/drawing/2014/main" id="{21A19CA2-305C-21C5-3055-B374E00D3184}"/>
               </a:ext>
             </a:extLst>
           </p:cNvPr>
@@ -5584,7 +6812,7 @@
           <a:p>
             <a:r>
               <a:rPr lang="en-US" dirty="0"/>
-              <a:t>Keys to Success</a:t>
+              <a:t>Grades and Assignments</a:t>
             </a:r>
           </a:p>
         </p:txBody>
@@ -5594,7 +6822,7 @@
           <p:cNvPr id="3" name="Content Placeholder 2">
             <a:extLst>
               <a:ext uri="{FF2B5EF4-FFF2-40B4-BE49-F238E27FC236}">
-                <a16:creationId xmlns:a16="http://schemas.microsoft.com/office/drawing/2014/main" id="{546E3D9D-87B2-17DB-B07A-DA3603E72432}"/>
+                <a16:creationId xmlns:a16="http://schemas.microsoft.com/office/drawing/2014/main" id="{126E9744-EC70-850C-B52D-CD431D7E566A}"/>
               </a:ext>
             </a:extLst>
           </p:cNvPr>
@@ -5607,38 +6835,52 @@
         </p:nvSpPr>
         <p:spPr>
           <a:xfrm>
-            <a:off x="1451579" y="1954924"/>
-            <a:ext cx="9603275" cy="4098557"/>
+            <a:off x="1451579" y="2015732"/>
+            <a:ext cx="9603275" cy="4037749"/>
           </a:xfrm>
         </p:spPr>
         <p:txBody>
           <a:bodyPr>
-            <a:normAutofit fontScale="85000" lnSpcReduction="20000"/>
+            <a:normAutofit fontScale="92500" lnSpcReduction="10000"/>
           </a:bodyPr>
           <a:lstStyle/>
           <a:p>
             <a:r>
               <a:rPr lang="en-US" dirty="0"/>
-              <a:t>Practice – programming is a lot like learning a language, you need to do it.</a:t>
+              <a:t>36% - 6 labs. </a:t>
             </a:r>
           </a:p>
           <a:p>
             <a:pPr lvl="1"/>
             <a:r>
               <a:rPr lang="en-US" dirty="0"/>
-              <a:t>There will be a wide range of how challenging this stuff is. That’s normal. </a:t>
-            </a:r>
-          </a:p>
-          <a:p>
-            <a:r>
-              <a:rPr lang="en-US" dirty="0"/>
-              <a:t>Start early – you will encounter challenges that you need to work through, leave time for that. </a:t>
-            </a:r>
-          </a:p>
-          <a:p>
-            <a:r>
-              <a:rPr lang="en-US" dirty="0"/>
-              <a:t>Deal with your comfort level – it will vary. </a:t>
+              <a:t>Easy regular practice. </a:t>
+            </a:r>
+          </a:p>
+          <a:p>
+            <a:r>
+              <a:rPr lang="en-US" dirty="0"/>
+              <a:t>42% - 3 exams. </a:t>
+            </a:r>
+          </a:p>
+          <a:p>
+            <a:pPr lvl="1"/>
+            <a:r>
+              <a:rPr lang="en-US" dirty="0"/>
+              <a:t>Theory and coding under time constraints. </a:t>
+            </a:r>
+          </a:p>
+          <a:p>
+            <a:r>
+              <a:rPr lang="en-US" dirty="0"/>
+              <a:t>22% - 2 assignments. </a:t>
+            </a:r>
+          </a:p>
+          <a:p>
+            <a:pPr lvl="1"/>
+            <a:r>
+              <a:rPr lang="en-US" dirty="0"/>
+              <a:t>Larger scale projects. </a:t>
             </a:r>
           </a:p>
         </p:txBody>
@@ -5646,7 +6888,7 @@
     </p:spTree>
     <p:extLst>
       <p:ext uri="{BB962C8B-B14F-4D97-AF65-F5344CB8AC3E}">
-        <p14:creationId xmlns:p14="http://schemas.microsoft.com/office/powerpoint/2010/main" val="2289568773"/>
+        <p14:creationId xmlns:p14="http://schemas.microsoft.com/office/powerpoint/2010/main" val="1298569493"/>
       </p:ext>
     </p:extLst>
   </p:cSld>
@@ -5678,7 +6920,7 @@
           <p:cNvPr id="2" name="Title 1">
             <a:extLst>
               <a:ext uri="{FF2B5EF4-FFF2-40B4-BE49-F238E27FC236}">
-                <a16:creationId xmlns:a16="http://schemas.microsoft.com/office/drawing/2014/main" id="{AB44C205-59A7-ECEC-20DA-A8533DD9B3F7}"/>
+                <a16:creationId xmlns:a16="http://schemas.microsoft.com/office/drawing/2014/main" id="{1AB739B9-EAAB-C7F4-09FF-8ACCDE9BBF59}"/>
               </a:ext>
             </a:extLst>
           </p:cNvPr>
@@ -5696,7 +6938,7 @@
           <a:p>
             <a:r>
               <a:rPr lang="en-US" dirty="0"/>
-              <a:t>Help</a:t>
+              <a:t>Materials</a:t>
             </a:r>
           </a:p>
         </p:txBody>
@@ -5706,7 +6948,7 @@
           <p:cNvPr id="3" name="Content Placeholder 2">
             <a:extLst>
               <a:ext uri="{FF2B5EF4-FFF2-40B4-BE49-F238E27FC236}">
-                <a16:creationId xmlns:a16="http://schemas.microsoft.com/office/drawing/2014/main" id="{97F3D2BE-07DB-D91E-741F-D15A5F3A97CB}"/>
+                <a16:creationId xmlns:a16="http://schemas.microsoft.com/office/drawing/2014/main" id="{2C01A6C4-C407-F6A4-CB1F-69A30BF8CB78}"/>
               </a:ext>
             </a:extLst>
           </p:cNvPr>
@@ -5719,65 +6961,60 @@
         </p:nvSpPr>
         <p:spPr>
           <a:xfrm>
-            <a:off x="465364" y="1853754"/>
-            <a:ext cx="11527971" cy="4199727"/>
+            <a:off x="0" y="1853754"/>
+            <a:ext cx="12192000" cy="4297664"/>
           </a:xfrm>
         </p:spPr>
         <p:txBody>
           <a:bodyPr>
-            <a:normAutofit fontScale="62500" lnSpcReduction="20000"/>
+            <a:normAutofit fontScale="92500" lnSpcReduction="10000"/>
           </a:bodyPr>
           <a:lstStyle/>
           <a:p>
             <a:r>
               <a:rPr lang="en-US" dirty="0"/>
-              <a:t>Research. </a:t>
+              <a:t>Class-to-class: main workbook repository. </a:t>
             </a:r>
           </a:p>
           <a:p>
             <a:pPr lvl="1"/>
             <a:r>
               <a:rPr lang="en-US" dirty="0"/>
-              <a:t>The end goal is for you to be able to learn how to do/use things by reading their documentation or examples. Try to work towards that, then…</a:t>
-            </a:r>
-          </a:p>
-          <a:p>
-            <a:r>
-              <a:rPr lang="en-US" dirty="0"/>
-              <a:t>Use class time. </a:t>
+              <a:t>Workbooks with text, examples, exercises for in-class. </a:t>
+            </a:r>
+          </a:p>
+          <a:p>
+            <a:r>
+              <a:rPr lang="en-US" dirty="0"/>
+              <a:t>Textbook(s): Python for Everyone &amp; </a:t>
+            </a:r>
+            <a:r>
+              <a:rPr lang="en-US" dirty="0" err="1"/>
+              <a:t>ThinkPython</a:t>
+            </a:r>
+            <a:r>
+              <a:rPr lang="en-US" dirty="0"/>
+              <a:t> (alt)</a:t>
             </a:r>
           </a:p>
           <a:p>
             <a:pPr lvl="1"/>
             <a:r>
               <a:rPr lang="en-US" dirty="0"/>
-              <a:t>Especially if things are difficult, work through examples with the chance to get help. </a:t>
-            </a:r>
-          </a:p>
-          <a:p>
-            <a:r>
-              <a:rPr lang="en-US" dirty="0"/>
-              <a:t>Help each other. </a:t>
+              <a:t>On Moodle as PDF, link to repository versions. </a:t>
+            </a:r>
+          </a:p>
+          <a:p>
+            <a:r>
+              <a:rPr lang="en-US" dirty="0"/>
+              <a:t>Recommend reading through chapter/section as we go. </a:t>
             </a:r>
           </a:p>
           <a:p>
             <a:pPr lvl="1"/>
             <a:r>
               <a:rPr lang="en-US" dirty="0"/>
-              <a:t>If things make sense to you, helping others helps you as well. </a:t>
-            </a:r>
-          </a:p>
-          <a:p>
-            <a:r>
-              <a:rPr lang="en-US" dirty="0"/>
-              <a:t>Ask questions. </a:t>
-            </a:r>
-          </a:p>
-          <a:p>
-            <a:pPr lvl="1"/>
-            <a:r>
-              <a:rPr lang="en-US" dirty="0"/>
-              <a:t>If something doesn’t make sense, ask. Don’t be shy. </a:t>
+              <a:t>Texts have extra exercises that are good as needed. </a:t>
             </a:r>
           </a:p>
         </p:txBody>
@@ -5785,7 +7022,7 @@
     </p:spTree>
     <p:extLst>
       <p:ext uri="{BB962C8B-B14F-4D97-AF65-F5344CB8AC3E}">
-        <p14:creationId xmlns:p14="http://schemas.microsoft.com/office/powerpoint/2010/main" val="3102172147"/>
+        <p14:creationId xmlns:p14="http://schemas.microsoft.com/office/powerpoint/2010/main" val="987737879"/>
       </p:ext>
     </p:extLst>
   </p:cSld>
@@ -5817,7 +7054,7 @@
           <p:cNvPr id="2" name="Title 1">
             <a:extLst>
               <a:ext uri="{FF2B5EF4-FFF2-40B4-BE49-F238E27FC236}">
-                <a16:creationId xmlns:a16="http://schemas.microsoft.com/office/drawing/2014/main" id="{855C9E7D-0BE6-BCA8-5D0E-966B375AA818}"/>
+                <a16:creationId xmlns:a16="http://schemas.microsoft.com/office/drawing/2014/main" id="{1D5AD35C-E6D7-E75E-E3E1-95DC85CFB6F5}"/>
               </a:ext>
             </a:extLst>
           </p:cNvPr>
@@ -5835,13 +7072,8 @@
           <a:p>
             <a:r>
               <a:rPr lang="en-US" dirty="0"/>
-              <a:t>Ai/Copilot/</a:t>
-            </a:r>
-            <a:r>
-              <a:rPr lang="en-US" dirty="0" err="1"/>
-              <a:t>Chatgpt</a:t>
-            </a:r>
-            <a:endParaRPr lang="en-US" dirty="0"/>
+              <a:t>Keys to Success</a:t>
+            </a:r>
           </a:p>
         </p:txBody>
       </p:sp>
@@ -5850,7 +7082,7 @@
           <p:cNvPr id="3" name="Content Placeholder 2">
             <a:extLst>
               <a:ext uri="{FF2B5EF4-FFF2-40B4-BE49-F238E27FC236}">
-                <a16:creationId xmlns:a16="http://schemas.microsoft.com/office/drawing/2014/main" id="{3CD0560F-4292-64D4-F0BB-022F0E660E67}"/>
+                <a16:creationId xmlns:a16="http://schemas.microsoft.com/office/drawing/2014/main" id="{546E3D9D-87B2-17DB-B07A-DA3603E72432}"/>
               </a:ext>
             </a:extLst>
           </p:cNvPr>
@@ -5863,39 +7095,43 @@
         </p:nvSpPr>
         <p:spPr>
           <a:xfrm>
-            <a:off x="1451579" y="1853754"/>
-            <a:ext cx="9603275" cy="4199727"/>
+            <a:off x="463138" y="1954924"/>
+            <a:ext cx="11728861" cy="4098557"/>
           </a:xfrm>
         </p:spPr>
         <p:txBody>
           <a:bodyPr>
-            <a:normAutofit lnSpcReduction="10000"/>
+            <a:normAutofit fontScale="85000" lnSpcReduction="10000"/>
           </a:bodyPr>
           <a:lstStyle/>
           <a:p>
             <a:r>
               <a:rPr lang="en-US" dirty="0"/>
-              <a:t>AI tools can likely do lots of what you’ll do this year, largely correctly. </a:t>
-            </a:r>
-          </a:p>
-          <a:p>
-            <a:r>
-              <a:rPr lang="en-US" dirty="0"/>
-              <a:t>These tools are fine, but you need to understand what they are doing first. </a:t>
-            </a:r>
-          </a:p>
-          <a:p>
-            <a:pPr lvl="1"/>
-            <a:r>
-              <a:rPr lang="en-US" dirty="0"/>
-              <a:t>Great to speed yourself up doing drudge work. </a:t>
-            </a:r>
-          </a:p>
-          <a:p>
-            <a:pPr lvl="1"/>
-            <a:r>
-              <a:rPr lang="en-US" dirty="0"/>
-              <a:t>If you can’t explain it line-by-line, don’t use it. </a:t>
+              <a:t>Practice – coding is like learning a language, you need practice.</a:t>
+            </a:r>
+          </a:p>
+          <a:p>
+            <a:r>
+              <a:rPr lang="en-US" dirty="0"/>
+              <a:t>There will be a wide range of how challenging this stuff is. </a:t>
+            </a:r>
+          </a:p>
+          <a:p>
+            <a:r>
+              <a:rPr lang="en-US" dirty="0"/>
+              <a:t>Start early – you will encounter challenges that you need to work through and solve, leave time for that. </a:t>
+            </a:r>
+          </a:p>
+          <a:p>
+            <a:r>
+              <a:rPr lang="en-US" dirty="0"/>
+              <a:t>Break it up – every large program is just a bunch of small lines. </a:t>
+            </a:r>
+          </a:p>
+          <a:p>
+            <a:r>
+              <a:rPr lang="en-US" dirty="0"/>
+              <a:t>Some concepts may take longer to click, that’s normal. </a:t>
             </a:r>
           </a:p>
         </p:txBody>
@@ -5903,7 +7139,7 @@
     </p:spTree>
     <p:extLst>
       <p:ext uri="{BB962C8B-B14F-4D97-AF65-F5344CB8AC3E}">
-        <p14:creationId xmlns:p14="http://schemas.microsoft.com/office/powerpoint/2010/main" val="2440120189"/>
+        <p14:creationId xmlns:p14="http://schemas.microsoft.com/office/powerpoint/2010/main" val="2289568773"/>
       </p:ext>
     </p:extLst>
   </p:cSld>
@@ -5935,7 +7171,7 @@
           <p:cNvPr id="2" name="Title 1">
             <a:extLst>
               <a:ext uri="{FF2B5EF4-FFF2-40B4-BE49-F238E27FC236}">
-                <a16:creationId xmlns:a16="http://schemas.microsoft.com/office/drawing/2014/main" id="{3465598E-51C0-918B-8223-821323238EC7}"/>
+                <a16:creationId xmlns:a16="http://schemas.microsoft.com/office/drawing/2014/main" id="{AB44C205-59A7-ECEC-20DA-A8533DD9B3F7}"/>
               </a:ext>
             </a:extLst>
           </p:cNvPr>
@@ -5953,7 +7189,7 @@
           <a:p>
             <a:r>
               <a:rPr lang="en-US" dirty="0"/>
-              <a:t>Positive Notes</a:t>
+              <a:t>Help</a:t>
             </a:r>
           </a:p>
         </p:txBody>
@@ -5963,7 +7199,7 @@
           <p:cNvPr id="3" name="Content Placeholder 2">
             <a:extLst>
               <a:ext uri="{FF2B5EF4-FFF2-40B4-BE49-F238E27FC236}">
-                <a16:creationId xmlns:a16="http://schemas.microsoft.com/office/drawing/2014/main" id="{6BD0AE9F-EF41-F22C-CFC0-32C387F406E4}"/>
+                <a16:creationId xmlns:a16="http://schemas.microsoft.com/office/drawing/2014/main" id="{97F3D2BE-07DB-D91E-741F-D15A5F3A97CB}"/>
               </a:ext>
             </a:extLst>
           </p:cNvPr>
@@ -5976,56 +7212,73 @@
         </p:nvSpPr>
         <p:spPr>
           <a:xfrm>
-            <a:off x="0" y="1853754"/>
-            <a:ext cx="12044855" cy="4199727"/>
+            <a:off x="465364" y="1853754"/>
+            <a:ext cx="11527971" cy="4199727"/>
           </a:xfrm>
         </p:spPr>
         <p:txBody>
           <a:bodyPr>
-            <a:normAutofit/>
+            <a:normAutofit fontScale="62500" lnSpcReduction="20000"/>
           </a:bodyPr>
           <a:lstStyle/>
           <a:p>
             <a:r>
               <a:rPr lang="en-US" dirty="0"/>
-              <a:t>Programming is our tool, not our goal. </a:t>
+              <a:t>Research. </a:t>
             </a:r>
           </a:p>
           <a:p>
             <a:pPr lvl="1"/>
             <a:r>
               <a:rPr lang="en-US" dirty="0"/>
-              <a:t>Don’t need to become savants, just need to be competent. </a:t>
-            </a:r>
-          </a:p>
-          <a:p>
-            <a:r>
-              <a:rPr lang="en-US" dirty="0"/>
-              <a:t>Driven (mainly) by what we need to do for analysis. </a:t>
+              <a:t>The end goal is for you to be able to learn how to do/use things by reading their documentation or examples. Try to work towards that, then…</a:t>
+            </a:r>
+          </a:p>
+          <a:p>
+            <a:r>
+              <a:rPr lang="en-US" dirty="0"/>
+              <a:t>Use class time. </a:t>
             </a:r>
           </a:p>
           <a:p>
             <a:pPr lvl="1"/>
             <a:r>
               <a:rPr lang="en-US" dirty="0"/>
-              <a:t>Work to explore challenges in other projects. </a:t>
-            </a:r>
-          </a:p>
-          <a:p>
-            <a:r>
-              <a:rPr lang="en-US" dirty="0"/>
-              <a:t>Easy class in a vacuum, though may still be challenging. </a:t>
-            </a:r>
-          </a:p>
-          <a:p>
-            <a:endParaRPr lang="en-US" dirty="0"/>
+              <a:t>Especially if things are difficult, work through examples with the chance to get help. </a:t>
+            </a:r>
+          </a:p>
+          <a:p>
+            <a:r>
+              <a:rPr lang="en-US" dirty="0"/>
+              <a:t>Help each other. </a:t>
+            </a:r>
+          </a:p>
+          <a:p>
+            <a:pPr lvl="1"/>
+            <a:r>
+              <a:rPr lang="en-US" dirty="0"/>
+              <a:t>If things make sense to you, helping others helps you as well. </a:t>
+            </a:r>
+          </a:p>
+          <a:p>
+            <a:r>
+              <a:rPr lang="en-US" dirty="0"/>
+              <a:t>Ask questions. </a:t>
+            </a:r>
+          </a:p>
+          <a:p>
+            <a:pPr lvl="1"/>
+            <a:r>
+              <a:rPr lang="en-US" dirty="0"/>
+              <a:t>If something doesn’t make sense, ask. Don’t be shy. </a:t>
+            </a:r>
           </a:p>
         </p:txBody>
       </p:sp>
     </p:spTree>
     <p:extLst>
       <p:ext uri="{BB962C8B-B14F-4D97-AF65-F5344CB8AC3E}">
-        <p14:creationId xmlns:p14="http://schemas.microsoft.com/office/powerpoint/2010/main" val="1142238928"/>
+        <p14:creationId xmlns:p14="http://schemas.microsoft.com/office/powerpoint/2010/main" val="3102172147"/>
       </p:ext>
     </p:extLst>
   </p:cSld>

--- a/reference_material/slides/001_intro_setup.pptx
+++ b/reference_material/slides/001_intro_setup.pptx
@@ -22,8 +22,8 @@
     <p:sldId id="290" r:id="rId16"/>
     <p:sldId id="291" r:id="rId17"/>
     <p:sldId id="298" r:id="rId18"/>
-    <p:sldId id="292" r:id="rId19"/>
-    <p:sldId id="283" r:id="rId20"/>
+    <p:sldId id="283" r:id="rId19"/>
+    <p:sldId id="292" r:id="rId20"/>
     <p:sldId id="293" r:id="rId21"/>
     <p:sldId id="294" r:id="rId22"/>
     <p:sldId id="295" r:id="rId23"/>
@@ -161,14 +161,10 @@
             <p14:sldId id="298"/>
           </p14:sldIdLst>
         </p14:section>
-        <p14:section name="Common Issues" id="{2FAB1EFD-CFB0-A449-9382-8C9DCDF1FF37}">
-          <p14:sldIdLst>
-            <p14:sldId id="292"/>
-          </p14:sldIdLst>
-        </p14:section>
         <p14:section name="Today" id="{6897CE35-DC24-6949-9E21-54466CD33015}">
           <p14:sldIdLst>
             <p14:sldId id="283"/>
+            <p14:sldId id="292"/>
           </p14:sldIdLst>
         </p14:section>
         <p14:section name="Starting to Code" id="{14F9E4C7-8153-5B44-84C4-EB90F89CB452}">
@@ -181,6 +177,9 @@
             <p14:sldId id="300"/>
             <p14:sldId id="297"/>
           </p14:sldIdLst>
+        </p14:section>
+        <p14:section name="Common Issues" id="{2FAB1EFD-CFB0-A449-9382-8C9DCDF1FF37}">
+          <p14:sldIdLst/>
         </p14:section>
       </p14:sectionLst>
     </p:ext>
@@ -4994,12 +4993,8 @@
           <a:p>
             <a:pPr lvl="1"/>
             <a:r>
-              <a:rPr lang="en-US"/>
-              <a:t>Checks output </a:t>
-            </a:r>
-            <a:r>
-              <a:rPr lang="en-US" dirty="0"/>
-              <a:t>of your code, not code itself. </a:t>
+              <a:rPr lang="en-US" dirty="0"/>
+              <a:t>Checks output of your code, not code itself. </a:t>
             </a:r>
           </a:p>
         </p:txBody>
@@ -5167,7 +5162,7 @@
           <p:cNvPr id="2" name="Title 1">
             <a:extLst>
               <a:ext uri="{FF2B5EF4-FFF2-40B4-BE49-F238E27FC236}">
-                <a16:creationId xmlns:a16="http://schemas.microsoft.com/office/drawing/2014/main" id="{25ED2C2C-1139-089A-0614-D631B68CD915}"/>
+                <a16:creationId xmlns:a16="http://schemas.microsoft.com/office/drawing/2014/main" id="{C6DAE830-DEB4-30B1-8BAB-3129F83C1AA4}"/>
               </a:ext>
             </a:extLst>
           </p:cNvPr>
@@ -5185,7 +5180,7 @@
           <a:p>
             <a:r>
               <a:rPr lang="en-US" dirty="0"/>
-              <a:t>Common Initial Issues</a:t>
+              <a:t>Today</a:t>
             </a:r>
           </a:p>
         </p:txBody>
@@ -5195,7 +5190,7 @@
           <p:cNvPr id="3" name="Content Placeholder 2">
             <a:extLst>
               <a:ext uri="{FF2B5EF4-FFF2-40B4-BE49-F238E27FC236}">
-                <a16:creationId xmlns:a16="http://schemas.microsoft.com/office/drawing/2014/main" id="{41FFD17E-BE8D-430D-2A7E-387C3C230E92}"/>
+                <a16:creationId xmlns:a16="http://schemas.microsoft.com/office/drawing/2014/main" id="{890737BA-D14C-5E0F-CFFE-DB4CA9D5C51F}"/>
               </a:ext>
             </a:extLst>
           </p:cNvPr>
@@ -5206,39 +5201,26 @@
             <p:ph idx="1"/>
           </p:nvPr>
         </p:nvSpPr>
-        <p:spPr>
-          <a:xfrm>
-            <a:off x="1451579" y="2015732"/>
-            <a:ext cx="9603275" cy="4037749"/>
-          </a:xfrm>
-        </p:spPr>
-        <p:txBody>
-          <a:bodyPr/>
-          <a:lstStyle/>
-          <a:p>
-            <a:r>
-              <a:rPr lang="en-US" dirty="0"/>
-              <a:t>Need to DL and install Git separately. </a:t>
-            </a:r>
-          </a:p>
-          <a:p>
-            <a:r>
-              <a:rPr lang="en-US" dirty="0"/>
-              <a:t>Registry entry for Python to work. </a:t>
-            </a:r>
-          </a:p>
-          <a:p>
-            <a:r>
-              <a:rPr lang="en-US" dirty="0"/>
-              <a:t>GitHub command for </a:t>
-            </a:r>
-            <a:r>
-              <a:rPr lang="en-US" dirty="0" err="1"/>
-              <a:t>uname</a:t>
-            </a:r>
-            <a:r>
-              <a:rPr lang="en-US" dirty="0"/>
-              <a:t>/email needed. </a:t>
+        <p:spPr/>
+        <p:txBody>
+          <a:bodyPr/>
+          <a:lstStyle/>
+          <a:p>
+            <a:r>
+              <a:rPr lang="en-US" dirty="0"/>
+              <a:t>Overview/intro.</a:t>
+            </a:r>
+          </a:p>
+          <a:p>
+            <a:r>
+              <a:rPr lang="en-US" dirty="0"/>
+              <a:t>Tools and resources.</a:t>
+            </a:r>
+          </a:p>
+          <a:p>
+            <a:r>
+              <a:rPr lang="en-US" dirty="0"/>
+              <a:t>Play with some code. </a:t>
             </a:r>
           </a:p>
         </p:txBody>
@@ -5246,7 +5228,7 @@
     </p:spTree>
     <p:extLst>
       <p:ext uri="{BB962C8B-B14F-4D97-AF65-F5344CB8AC3E}">
-        <p14:creationId xmlns:p14="http://schemas.microsoft.com/office/powerpoint/2010/main" val="2668236399"/>
+        <p14:creationId xmlns:p14="http://schemas.microsoft.com/office/powerpoint/2010/main" val="1614966072"/>
       </p:ext>
     </p:extLst>
   </p:cSld>
@@ -5278,7 +5260,7 @@
           <p:cNvPr id="2" name="Title 1">
             <a:extLst>
               <a:ext uri="{FF2B5EF4-FFF2-40B4-BE49-F238E27FC236}">
-                <a16:creationId xmlns:a16="http://schemas.microsoft.com/office/drawing/2014/main" id="{C6DAE830-DEB4-30B1-8BAB-3129F83C1AA4}"/>
+                <a16:creationId xmlns:a16="http://schemas.microsoft.com/office/drawing/2014/main" id="{25ED2C2C-1139-089A-0614-D631B68CD915}"/>
               </a:ext>
             </a:extLst>
           </p:cNvPr>
@@ -5296,7 +5278,7 @@
           <a:p>
             <a:r>
               <a:rPr lang="en-US" dirty="0"/>
-              <a:t>Today</a:t>
+              <a:t>Common Initial Issues</a:t>
             </a:r>
           </a:p>
         </p:txBody>
@@ -5306,7 +5288,7 @@
           <p:cNvPr id="3" name="Content Placeholder 2">
             <a:extLst>
               <a:ext uri="{FF2B5EF4-FFF2-40B4-BE49-F238E27FC236}">
-                <a16:creationId xmlns:a16="http://schemas.microsoft.com/office/drawing/2014/main" id="{890737BA-D14C-5E0F-CFFE-DB4CA9D5C51F}"/>
+                <a16:creationId xmlns:a16="http://schemas.microsoft.com/office/drawing/2014/main" id="{41FFD17E-BE8D-430D-2A7E-387C3C230E92}"/>
               </a:ext>
             </a:extLst>
           </p:cNvPr>
@@ -5317,26 +5299,39 @@
             <p:ph idx="1"/>
           </p:nvPr>
         </p:nvSpPr>
-        <p:spPr/>
-        <p:txBody>
-          <a:bodyPr/>
-          <a:lstStyle/>
-          <a:p>
-            <a:r>
-              <a:rPr lang="en-US" dirty="0"/>
-              <a:t>Overview/intro.</a:t>
-            </a:r>
-          </a:p>
-          <a:p>
-            <a:r>
-              <a:rPr lang="en-US" dirty="0"/>
-              <a:t>Tools and resources.</a:t>
-            </a:r>
-          </a:p>
-          <a:p>
-            <a:r>
-              <a:rPr lang="en-US" dirty="0"/>
-              <a:t>Play with some code. </a:t>
+        <p:spPr>
+          <a:xfrm>
+            <a:off x="1451579" y="2015732"/>
+            <a:ext cx="9603275" cy="4037749"/>
+          </a:xfrm>
+        </p:spPr>
+        <p:txBody>
+          <a:bodyPr/>
+          <a:lstStyle/>
+          <a:p>
+            <a:r>
+              <a:rPr lang="en-US" dirty="0"/>
+              <a:t>Need to DL and install Git separately. </a:t>
+            </a:r>
+          </a:p>
+          <a:p>
+            <a:r>
+              <a:rPr lang="en-US" dirty="0"/>
+              <a:t>Registry entry for Python to work. </a:t>
+            </a:r>
+          </a:p>
+          <a:p>
+            <a:r>
+              <a:rPr lang="en-US" dirty="0"/>
+              <a:t>GitHub command for </a:t>
+            </a:r>
+            <a:r>
+              <a:rPr lang="en-US" dirty="0" err="1"/>
+              <a:t>uname</a:t>
+            </a:r>
+            <a:r>
+              <a:rPr lang="en-US" dirty="0"/>
+              <a:t>/email needed. </a:t>
             </a:r>
           </a:p>
         </p:txBody>
@@ -5344,7 +5339,7 @@
     </p:spTree>
     <p:extLst>
       <p:ext uri="{BB962C8B-B14F-4D97-AF65-F5344CB8AC3E}">
-        <p14:creationId xmlns:p14="http://schemas.microsoft.com/office/powerpoint/2010/main" val="1614966072"/>
+        <p14:creationId xmlns:p14="http://schemas.microsoft.com/office/powerpoint/2010/main" val="2668236399"/>
       </p:ext>
     </p:extLst>
   </p:cSld>
@@ -5429,13 +5424,13 @@
           <a:p>
             <a:r>
               <a:rPr lang="en-US" sz="2800" dirty="0"/>
-              <a:t>You’ll need to do some stuff, please start, we’ll go at 12:15. </a:t>
+              <a:t>You’ll need to do some stuff, please start, we’ll go at 12:10. </a:t>
             </a:r>
           </a:p>
           <a:p>
             <a:r>
               <a:rPr lang="en-US" sz="2800" dirty="0"/>
-              <a:t>There is a list w/ links on the LMS at the image location. </a:t>
+              <a:t>&lt;- There is a list w/ links on the LMS at the image location. </a:t>
             </a:r>
           </a:p>
           <a:p>
@@ -5455,15 +5450,7 @@
             <a:pPr lvl="1"/>
             <a:r>
               <a:rPr lang="en-US" sz="2400" dirty="0"/>
-              <a:t>Git (not </a:t>
-            </a:r>
-            <a:r>
-              <a:rPr lang="en-US" sz="2400" dirty="0" err="1"/>
-              <a:t>Github</a:t>
-            </a:r>
-            <a:r>
-              <a:rPr lang="en-US" sz="2400" dirty="0"/>
-              <a:t>). </a:t>
+              <a:t>Git (not GitHub). </a:t>
             </a:r>
           </a:p>
           <a:p>
@@ -5476,8 +5463,12 @@
           <a:p>
             <a:pPr lvl="1"/>
             <a:r>
+              <a:rPr lang="en-US" sz="2400"/>
+              <a:t>Enter the email used from </a:t>
+            </a:r>
+            <a:r>
               <a:rPr lang="en-US" sz="2400" dirty="0"/>
-              <a:t>Enter that email from GitHub “GitHub emails” quiz on the LMS. </a:t>
+              <a:t>GitHub “GitHub emails” quiz on the LMS. </a:t>
             </a:r>
           </a:p>
         </p:txBody>

--- a/reference_material/slides/001_intro_setup.pptx
+++ b/reference_material/slides/001_intro_setup.pptx
@@ -5424,8 +5424,13 @@
           <a:p>
             <a:r>
               <a:rPr lang="en-US" sz="2800" dirty="0"/>
-              <a:t>You’ll need to do some stuff, please start, we’ll go at 12:10. </a:t>
-            </a:r>
+              <a:t>You’ll need to do some stuff, please start, we’ll go </a:t>
+            </a:r>
+            <a:r>
+              <a:rPr lang="en-US" sz="2800"/>
+              <a:t>at 12:05. </a:t>
+            </a:r>
+            <a:endParaRPr lang="en-US" sz="2800" dirty="0"/>
           </a:p>
           <a:p>
             <a:r>
@@ -5463,12 +5468,8 @@
           <a:p>
             <a:pPr lvl="1"/>
             <a:r>
-              <a:rPr lang="en-US" sz="2400"/>
-              <a:t>Enter the email used from </a:t>
-            </a:r>
-            <a:r>
               <a:rPr lang="en-US" sz="2400" dirty="0"/>
-              <a:t>GitHub “GitHub emails” quiz on the LMS. </a:t>
+              <a:t>Enter the email used from GitHub “GitHub emails” quiz on the LMS. </a:t>
             </a:r>
           </a:p>
         </p:txBody>
